--- a/Portfolio Projects/Pizza Sales Analysis/SQL/PIZZA SALES REPORT.pptx
+++ b/Portfolio Projects/Pizza Sales Analysis/SQL/PIZZA SALES REPORT.pptx
@@ -22,6 +22,7 @@
     <p:sldId id="270" r:id="rId16"/>
     <p:sldId id="271" r:id="rId17"/>
     <p:sldId id="272" r:id="rId18"/>
+    <p:sldId id="273" r:id="rId19"/>
   </p:sldIdLst>
   <p:sldSz cx="12192000" cy="6858000"/>
   <p:notesSz cx="6858000" cy="9144000"/>
@@ -129,7 +130,7 @@
 </file>
 
 <file path=ppt/slideLayouts/slideLayout1.xml><?xml version="1.0" encoding="utf-8"?>
-<p:sldLayout xmlns:a="http://schemas.openxmlformats.org/drawingml/2006/main" xmlns:r="http://schemas.openxmlformats.org/officeDocument/2006/relationships" xmlns:p="http://schemas.openxmlformats.org/presentationml/2006/main" showMasterSp="0" type="title" preserve="1">
+<p:sldLayout xmlns:a="http://schemas.openxmlformats.org/drawingml/2006/main" xmlns:r="http://schemas.openxmlformats.org/officeDocument/2006/relationships" xmlns:p="http://schemas.openxmlformats.org/presentationml/2006/main" type="title" preserve="1">
   <p:cSld name="Title Slide">
     <p:spTree>
       <p:nvGrpSpPr>
@@ -178,7 +179,7 @@
           <a:noFill/>
           <a:extLst>
             <a:ext uri="{909E8E84-426E-40dd-AFC4-6F175D3DCCD1}">
-              <a14:hiddenFill xmlns:a14="http://schemas.microsoft.com/office/drawing/2010/main" xmlns="">
+              <a14:hiddenFill xmlns="" xmlns:a14="http://schemas.microsoft.com/office/drawing/2010/main">
                 <a:solidFill>
                   <a:srgbClr val="FFFFFF"/>
                 </a:solidFill>
@@ -238,7 +239,7 @@
             </a:ln>
             <a:extLst>
               <a:ext uri="{91240B29-F687-4f45-9708-019B960494DF}">
-                <a14:hiddenLine xmlns:a14="http://schemas.microsoft.com/office/drawing/2010/main" xmlns="" w="9525">
+                <a14:hiddenLine xmlns="" xmlns:a14="http://schemas.microsoft.com/office/drawing/2010/main" w="9525">
                   <a:solidFill>
                     <a:srgbClr val="000000"/>
                   </a:solidFill>
@@ -328,7 +329,7 @@
             </a:ln>
             <a:extLst>
               <a:ext uri="{91240B29-F687-4f45-9708-019B960494DF}">
-                <a14:hiddenLine xmlns:a14="http://schemas.microsoft.com/office/drawing/2010/main" xmlns="" w="9525">
+                <a14:hiddenLine xmlns="" xmlns:a14="http://schemas.microsoft.com/office/drawing/2010/main" w="9525">
                   <a:solidFill>
                     <a:srgbClr val="000000"/>
                   </a:solidFill>
@@ -418,7 +419,7 @@
             </a:ln>
             <a:extLst>
               <a:ext uri="{91240B29-F687-4f45-9708-019B960494DF}">
-                <a14:hiddenLine xmlns:a14="http://schemas.microsoft.com/office/drawing/2010/main" xmlns="" w="9525">
+                <a14:hiddenLine xmlns="" xmlns:a14="http://schemas.microsoft.com/office/drawing/2010/main" w="9525">
                   <a:solidFill>
                     <a:srgbClr val="000000"/>
                   </a:solidFill>
@@ -452,7 +453,7 @@
             </a:ln>
             <a:extLst>
               <a:ext uri="{91240B29-F687-4f45-9708-019B960494DF}">
-                <a14:hiddenLine xmlns:a14="http://schemas.microsoft.com/office/drawing/2010/main" xmlns="" w="9525">
+                <a14:hiddenLine xmlns="" xmlns:a14="http://schemas.microsoft.com/office/drawing/2010/main" w="9525">
                   <a:solidFill>
                     <a:srgbClr val="000000"/>
                   </a:solidFill>
@@ -542,7 +543,7 @@
             </a:ln>
             <a:extLst>
               <a:ext uri="{91240B29-F687-4f45-9708-019B960494DF}">
-                <a14:hiddenLine xmlns:a14="http://schemas.microsoft.com/office/drawing/2010/main" xmlns="" w="9525">
+                <a14:hiddenLine xmlns="" xmlns:a14="http://schemas.microsoft.com/office/drawing/2010/main" w="9525">
                   <a:solidFill>
                     <a:srgbClr val="000000"/>
                   </a:solidFill>
@@ -604,7 +605,7 @@
             </a:ln>
             <a:extLst>
               <a:ext uri="{91240B29-F687-4f45-9708-019B960494DF}">
-                <a14:hiddenLine xmlns:a14="http://schemas.microsoft.com/office/drawing/2010/main" xmlns="" w="9525">
+                <a14:hiddenLine xmlns="" xmlns:a14="http://schemas.microsoft.com/office/drawing/2010/main" w="9525">
                   <a:solidFill>
                     <a:srgbClr val="000000"/>
                   </a:solidFill>
@@ -666,7 +667,7 @@
             </a:ln>
             <a:extLst>
               <a:ext uri="{91240B29-F687-4f45-9708-019B960494DF}">
-                <a14:hiddenLine xmlns:a14="http://schemas.microsoft.com/office/drawing/2010/main" xmlns="" w="9525">
+                <a14:hiddenLine xmlns="" xmlns:a14="http://schemas.microsoft.com/office/drawing/2010/main" w="9525">
                   <a:solidFill>
                     <a:srgbClr val="000000"/>
                   </a:solidFill>
@@ -756,7 +757,7 @@
             </a:ln>
             <a:extLst>
               <a:ext uri="{91240B29-F687-4f45-9708-019B960494DF}">
-                <a14:hiddenLine xmlns:a14="http://schemas.microsoft.com/office/drawing/2010/main" xmlns="" w="9525">
+                <a14:hiddenLine xmlns="" xmlns:a14="http://schemas.microsoft.com/office/drawing/2010/main" w="9525">
                   <a:solidFill>
                     <a:srgbClr val="000000"/>
                   </a:solidFill>
@@ -818,7 +819,7 @@
             </a:ln>
             <a:extLst>
               <a:ext uri="{91240B29-F687-4f45-9708-019B960494DF}">
-                <a14:hiddenLine xmlns:a14="http://schemas.microsoft.com/office/drawing/2010/main" xmlns="" w="9525">
+                <a14:hiddenLine xmlns="" xmlns:a14="http://schemas.microsoft.com/office/drawing/2010/main" w="9525">
                   <a:solidFill>
                     <a:srgbClr val="000000"/>
                   </a:solidFill>
@@ -880,7 +881,7 @@
             </a:ln>
             <a:extLst>
               <a:ext uri="{91240B29-F687-4f45-9708-019B960494DF}">
-                <a14:hiddenLine xmlns:a14="http://schemas.microsoft.com/office/drawing/2010/main" xmlns="" w="9525">
+                <a14:hiddenLine xmlns="" xmlns:a14="http://schemas.microsoft.com/office/drawing/2010/main" w="9525">
                   <a:solidFill>
                     <a:srgbClr val="000000"/>
                   </a:solidFill>
@@ -970,7 +971,7 @@
             </a:ln>
             <a:extLst>
               <a:ext uri="{91240B29-F687-4f45-9708-019B960494DF}">
-                <a14:hiddenLine xmlns:a14="http://schemas.microsoft.com/office/drawing/2010/main" xmlns="" w="9525">
+                <a14:hiddenLine xmlns="" xmlns:a14="http://schemas.microsoft.com/office/drawing/2010/main" w="9525">
                   <a:solidFill>
                     <a:srgbClr val="000000"/>
                   </a:solidFill>
@@ -1060,7 +1061,7 @@
             </a:ln>
             <a:extLst>
               <a:ext uri="{91240B29-F687-4f45-9708-019B960494DF}">
-                <a14:hiddenLine xmlns:a14="http://schemas.microsoft.com/office/drawing/2010/main" xmlns="" w="9525">
+                <a14:hiddenLine xmlns="" xmlns:a14="http://schemas.microsoft.com/office/drawing/2010/main" w="9525">
                   <a:solidFill>
                     <a:srgbClr val="000000"/>
                   </a:solidFill>
@@ -1122,7 +1123,7 @@
             </a:ln>
             <a:extLst>
               <a:ext uri="{91240B29-F687-4f45-9708-019B960494DF}">
-                <a14:hiddenLine xmlns:a14="http://schemas.microsoft.com/office/drawing/2010/main" xmlns="" w="9525">
+                <a14:hiddenLine xmlns="" xmlns:a14="http://schemas.microsoft.com/office/drawing/2010/main" w="9525">
                   <a:solidFill>
                     <a:srgbClr val="000000"/>
                   </a:solidFill>
@@ -1232,7 +1233,7 @@
             </a:ln>
             <a:extLst>
               <a:ext uri="{91240B29-F687-4f45-9708-019B960494DF}">
-                <a14:hiddenLine xmlns:a14="http://schemas.microsoft.com/office/drawing/2010/main" xmlns="" w="9525">
+                <a14:hiddenLine xmlns="" xmlns:a14="http://schemas.microsoft.com/office/drawing/2010/main" w="9525">
                   <a:solidFill>
                     <a:srgbClr val="000000"/>
                   </a:solidFill>
@@ -1294,7 +1295,7 @@
             </a:ln>
             <a:extLst>
               <a:ext uri="{91240B29-F687-4f45-9708-019B960494DF}">
-                <a14:hiddenLine xmlns:a14="http://schemas.microsoft.com/office/drawing/2010/main" xmlns="" w="9525">
+                <a14:hiddenLine xmlns="" xmlns:a14="http://schemas.microsoft.com/office/drawing/2010/main" w="9525">
                   <a:solidFill>
                     <a:srgbClr val="000000"/>
                   </a:solidFill>
@@ -1384,7 +1385,7 @@
             </a:ln>
             <a:extLst>
               <a:ext uri="{91240B29-F687-4f45-9708-019B960494DF}">
-                <a14:hiddenLine xmlns:a14="http://schemas.microsoft.com/office/drawing/2010/main" xmlns="" w="9525">
+                <a14:hiddenLine xmlns="" xmlns:a14="http://schemas.microsoft.com/office/drawing/2010/main" w="9525">
                   <a:solidFill>
                     <a:srgbClr val="000000"/>
                   </a:solidFill>
@@ -1474,7 +1475,7 @@
             </a:ln>
             <a:extLst>
               <a:ext uri="{91240B29-F687-4f45-9708-019B960494DF}">
-                <a14:hiddenLine xmlns:a14="http://schemas.microsoft.com/office/drawing/2010/main" xmlns="" w="9525">
+                <a14:hiddenLine xmlns="" xmlns:a14="http://schemas.microsoft.com/office/drawing/2010/main" w="9525">
                   <a:solidFill>
                     <a:srgbClr val="000000"/>
                   </a:solidFill>
@@ -1536,7 +1537,7 @@
             </a:ln>
             <a:extLst>
               <a:ext uri="{91240B29-F687-4f45-9708-019B960494DF}">
-                <a14:hiddenLine xmlns:a14="http://schemas.microsoft.com/office/drawing/2010/main" xmlns="" w="9525">
+                <a14:hiddenLine xmlns="" xmlns:a14="http://schemas.microsoft.com/office/drawing/2010/main" w="9525">
                   <a:solidFill>
                     <a:srgbClr val="000000"/>
                   </a:solidFill>
@@ -1626,7 +1627,7 @@
             </a:ln>
             <a:extLst>
               <a:ext uri="{91240B29-F687-4f45-9708-019B960494DF}">
-                <a14:hiddenLine xmlns:a14="http://schemas.microsoft.com/office/drawing/2010/main" xmlns="" w="9525">
+                <a14:hiddenLine xmlns="" xmlns:a14="http://schemas.microsoft.com/office/drawing/2010/main" w="9525">
                   <a:solidFill>
                     <a:srgbClr val="000000"/>
                   </a:solidFill>
@@ -1716,7 +1717,7 @@
             </a:ln>
             <a:extLst>
               <a:ext uri="{91240B29-F687-4f45-9708-019B960494DF}">
-                <a14:hiddenLine xmlns:a14="http://schemas.microsoft.com/office/drawing/2010/main" xmlns="" w="9525">
+                <a14:hiddenLine xmlns="" xmlns:a14="http://schemas.microsoft.com/office/drawing/2010/main" w="9525">
                   <a:solidFill>
                     <a:srgbClr val="000000"/>
                   </a:solidFill>
@@ -1772,7 +1773,7 @@
             </a:ln>
             <a:extLst>
               <a:ext uri="{91240B29-F687-4f45-9708-019B960494DF}">
-                <a14:hiddenLine xmlns:a14="http://schemas.microsoft.com/office/drawing/2010/main" xmlns="" w="9525">
+                <a14:hiddenLine xmlns="" xmlns:a14="http://schemas.microsoft.com/office/drawing/2010/main" w="9525">
                   <a:solidFill>
                     <a:srgbClr val="000000"/>
                   </a:solidFill>
@@ -1862,7 +1863,7 @@
             </a:ln>
             <a:extLst>
               <a:ext uri="{91240B29-F687-4f45-9708-019B960494DF}">
-                <a14:hiddenLine xmlns:a14="http://schemas.microsoft.com/office/drawing/2010/main" xmlns="" w="9525">
+                <a14:hiddenLine xmlns="" xmlns:a14="http://schemas.microsoft.com/office/drawing/2010/main" w="9525">
                   <a:solidFill>
                     <a:srgbClr val="000000"/>
                   </a:solidFill>
@@ -1918,7 +1919,7 @@
             </a:ln>
             <a:extLst>
               <a:ext uri="{91240B29-F687-4f45-9708-019B960494DF}">
-                <a14:hiddenLine xmlns:a14="http://schemas.microsoft.com/office/drawing/2010/main" xmlns="" w="9525">
+                <a14:hiddenLine xmlns="" xmlns:a14="http://schemas.microsoft.com/office/drawing/2010/main" w="9525">
                   <a:solidFill>
                     <a:srgbClr val="000000"/>
                   </a:solidFill>
@@ -2008,7 +2009,7 @@
             </a:ln>
             <a:extLst>
               <a:ext uri="{91240B29-F687-4f45-9708-019B960494DF}">
-                <a14:hiddenLine xmlns:a14="http://schemas.microsoft.com/office/drawing/2010/main" xmlns="" w="9525">
+                <a14:hiddenLine xmlns="" xmlns:a14="http://schemas.microsoft.com/office/drawing/2010/main" w="9525">
                   <a:solidFill>
                     <a:srgbClr val="000000"/>
                   </a:solidFill>
@@ -2076,7 +2077,7 @@
             </a:ln>
             <a:extLst>
               <a:ext uri="{91240B29-F687-4f45-9708-019B960494DF}">
-                <a14:hiddenLine xmlns:a14="http://schemas.microsoft.com/office/drawing/2010/main" xmlns="" w="9525">
+                <a14:hiddenLine xmlns="" xmlns:a14="http://schemas.microsoft.com/office/drawing/2010/main" w="9525">
                   <a:solidFill>
                     <a:srgbClr val="000000"/>
                   </a:solidFill>
@@ -2166,7 +2167,7 @@
             </a:ln>
             <a:extLst>
               <a:ext uri="{91240B29-F687-4f45-9708-019B960494DF}">
-                <a14:hiddenLine xmlns:a14="http://schemas.microsoft.com/office/drawing/2010/main" xmlns="" w="9525">
+                <a14:hiddenLine xmlns="" xmlns:a14="http://schemas.microsoft.com/office/drawing/2010/main" w="9525">
                   <a:solidFill>
                     <a:srgbClr val="000000"/>
                   </a:solidFill>
@@ -2234,7 +2235,7 @@
             </a:ln>
             <a:extLst>
               <a:ext uri="{91240B29-F687-4f45-9708-019B960494DF}">
-                <a14:hiddenLine xmlns:a14="http://schemas.microsoft.com/office/drawing/2010/main" xmlns="" w="9525">
+                <a14:hiddenLine xmlns="" xmlns:a14="http://schemas.microsoft.com/office/drawing/2010/main" w="9525">
                   <a:solidFill>
                     <a:srgbClr val="000000"/>
                   </a:solidFill>
@@ -2324,7 +2325,7 @@
             </a:ln>
             <a:extLst>
               <a:ext uri="{91240B29-F687-4f45-9708-019B960494DF}">
-                <a14:hiddenLine xmlns:a14="http://schemas.microsoft.com/office/drawing/2010/main" xmlns="" w="9525">
+                <a14:hiddenLine xmlns="" xmlns:a14="http://schemas.microsoft.com/office/drawing/2010/main" w="9525">
                   <a:solidFill>
                     <a:srgbClr val="000000"/>
                   </a:solidFill>
@@ -2358,7 +2359,7 @@
             </a:ln>
             <a:extLst>
               <a:ext uri="{91240B29-F687-4f45-9708-019B960494DF}">
-                <a14:hiddenLine xmlns:a14="http://schemas.microsoft.com/office/drawing/2010/main" xmlns="" w="9525">
+                <a14:hiddenLine xmlns="" xmlns:a14="http://schemas.microsoft.com/office/drawing/2010/main" w="9525">
                   <a:solidFill>
                     <a:srgbClr val="000000"/>
                   </a:solidFill>
@@ -2448,7 +2449,7 @@
             </a:ln>
             <a:extLst>
               <a:ext uri="{91240B29-F687-4f45-9708-019B960494DF}">
-                <a14:hiddenLine xmlns:a14="http://schemas.microsoft.com/office/drawing/2010/main" xmlns="" w="9525">
+                <a14:hiddenLine xmlns="" xmlns:a14="http://schemas.microsoft.com/office/drawing/2010/main" w="9525">
                   <a:solidFill>
                     <a:srgbClr val="000000"/>
                   </a:solidFill>
@@ -2510,7 +2511,7 @@
             </a:ln>
             <a:extLst>
               <a:ext uri="{91240B29-F687-4f45-9708-019B960494DF}">
-                <a14:hiddenLine xmlns:a14="http://schemas.microsoft.com/office/drawing/2010/main" xmlns="" w="9525">
+                <a14:hiddenLine xmlns="" xmlns:a14="http://schemas.microsoft.com/office/drawing/2010/main" w="9525">
                   <a:solidFill>
                     <a:srgbClr val="000000"/>
                   </a:solidFill>
@@ -2572,7 +2573,7 @@
             </a:ln>
             <a:extLst>
               <a:ext uri="{91240B29-F687-4f45-9708-019B960494DF}">
-                <a14:hiddenLine xmlns:a14="http://schemas.microsoft.com/office/drawing/2010/main" xmlns="" w="9525">
+                <a14:hiddenLine xmlns="" xmlns:a14="http://schemas.microsoft.com/office/drawing/2010/main" w="9525">
                   <a:solidFill>
                     <a:srgbClr val="000000"/>
                   </a:solidFill>
@@ -2662,7 +2663,7 @@
             </a:ln>
             <a:extLst>
               <a:ext uri="{91240B29-F687-4f45-9708-019B960494DF}">
-                <a14:hiddenLine xmlns:a14="http://schemas.microsoft.com/office/drawing/2010/main" xmlns="" w="9525">
+                <a14:hiddenLine xmlns="" xmlns:a14="http://schemas.microsoft.com/office/drawing/2010/main" w="9525">
                   <a:solidFill>
                     <a:srgbClr val="000000"/>
                   </a:solidFill>
@@ -2730,7 +2731,7 @@
             </a:ln>
             <a:extLst>
               <a:ext uri="{91240B29-F687-4f45-9708-019B960494DF}">
-                <a14:hiddenLine xmlns:a14="http://schemas.microsoft.com/office/drawing/2010/main" xmlns="" w="9525">
+                <a14:hiddenLine xmlns="" xmlns:a14="http://schemas.microsoft.com/office/drawing/2010/main" w="9525">
                   <a:solidFill>
                     <a:srgbClr val="000000"/>
                   </a:solidFill>
@@ -2792,7 +2793,7 @@
             </a:ln>
             <a:extLst>
               <a:ext uri="{91240B29-F687-4f45-9708-019B960494DF}">
-                <a14:hiddenLine xmlns:a14="http://schemas.microsoft.com/office/drawing/2010/main" xmlns="" w="9525">
+                <a14:hiddenLine xmlns="" xmlns:a14="http://schemas.microsoft.com/office/drawing/2010/main" w="9525">
                   <a:solidFill>
                     <a:srgbClr val="000000"/>
                   </a:solidFill>
@@ -2882,7 +2883,7 @@
             </a:ln>
             <a:extLst>
               <a:ext uri="{91240B29-F687-4f45-9708-019B960494DF}">
-                <a14:hiddenLine xmlns:a14="http://schemas.microsoft.com/office/drawing/2010/main" xmlns="" w="9525">
+                <a14:hiddenLine xmlns="" xmlns:a14="http://schemas.microsoft.com/office/drawing/2010/main" w="9525">
                   <a:solidFill>
                     <a:srgbClr val="000000"/>
                   </a:solidFill>
@@ -2944,7 +2945,7 @@
             </a:ln>
             <a:extLst>
               <a:ext uri="{91240B29-F687-4f45-9708-019B960494DF}">
-                <a14:hiddenLine xmlns:a14="http://schemas.microsoft.com/office/drawing/2010/main" xmlns="" w="9525">
+                <a14:hiddenLine xmlns="" xmlns:a14="http://schemas.microsoft.com/office/drawing/2010/main" w="9525">
                   <a:solidFill>
                     <a:srgbClr val="000000"/>
                   </a:solidFill>
@@ -3034,7 +3035,7 @@
             </a:ln>
             <a:extLst>
               <a:ext uri="{91240B29-F687-4f45-9708-019B960494DF}">
-                <a14:hiddenLine xmlns:a14="http://schemas.microsoft.com/office/drawing/2010/main" xmlns="" w="9525">
+                <a14:hiddenLine xmlns="" xmlns:a14="http://schemas.microsoft.com/office/drawing/2010/main" w="9525">
                   <a:solidFill>
                     <a:srgbClr val="000000"/>
                   </a:solidFill>
@@ -3096,7 +3097,7 @@
             </a:ln>
             <a:extLst>
               <a:ext uri="{91240B29-F687-4f45-9708-019B960494DF}">
-                <a14:hiddenLine xmlns:a14="http://schemas.microsoft.com/office/drawing/2010/main" xmlns="" w="9525">
+                <a14:hiddenLine xmlns="" xmlns:a14="http://schemas.microsoft.com/office/drawing/2010/main" w="9525">
                   <a:solidFill>
                     <a:srgbClr val="000000"/>
                   </a:solidFill>
@@ -3186,7 +3187,7 @@
             </a:ln>
             <a:extLst>
               <a:ext uri="{91240B29-F687-4f45-9708-019B960494DF}">
-                <a14:hiddenLine xmlns:a14="http://schemas.microsoft.com/office/drawing/2010/main" xmlns="" w="9525">
+                <a14:hiddenLine xmlns="" xmlns:a14="http://schemas.microsoft.com/office/drawing/2010/main" w="9525">
                   <a:solidFill>
                     <a:srgbClr val="000000"/>
                   </a:solidFill>
@@ -3220,7 +3221,7 @@
             </a:ln>
             <a:extLst>
               <a:ext uri="{91240B29-F687-4f45-9708-019B960494DF}">
-                <a14:hiddenLine xmlns:a14="http://schemas.microsoft.com/office/drawing/2010/main" xmlns="" w="9525">
+                <a14:hiddenLine xmlns="" xmlns:a14="http://schemas.microsoft.com/office/drawing/2010/main" w="9525">
                   <a:solidFill>
                     <a:srgbClr val="000000"/>
                   </a:solidFill>
@@ -3285,7 +3286,7 @@
             </a:ln>
             <a:extLst>
               <a:ext uri="{91240B29-F687-4f45-9708-019B960494DF}">
-                <a14:hiddenLine xmlns:a14="http://schemas.microsoft.com/office/drawing/2010/main" xmlns="" w="9525">
+                <a14:hiddenLine xmlns="" xmlns:a14="http://schemas.microsoft.com/office/drawing/2010/main" w="9525">
                   <a:solidFill>
                     <a:srgbClr val="000000"/>
                   </a:solidFill>
@@ -3375,7 +3376,7 @@
             </a:ln>
             <a:extLst>
               <a:ext uri="{91240B29-F687-4f45-9708-019B960494DF}">
-                <a14:hiddenLine xmlns:a14="http://schemas.microsoft.com/office/drawing/2010/main" xmlns="" w="9525">
+                <a14:hiddenLine xmlns="" xmlns:a14="http://schemas.microsoft.com/office/drawing/2010/main" w="9525">
                   <a:solidFill>
                     <a:srgbClr val="000000"/>
                   </a:solidFill>
@@ -3437,7 +3438,7 @@
             </a:ln>
             <a:extLst>
               <a:ext uri="{91240B29-F687-4f45-9708-019B960494DF}">
-                <a14:hiddenLine xmlns:a14="http://schemas.microsoft.com/office/drawing/2010/main" xmlns="" w="9525">
+                <a14:hiddenLine xmlns="" xmlns:a14="http://schemas.microsoft.com/office/drawing/2010/main" w="9525">
                   <a:solidFill>
                     <a:srgbClr val="000000"/>
                   </a:solidFill>
@@ -3527,7 +3528,7 @@
             </a:ln>
             <a:extLst>
               <a:ext uri="{91240B29-F687-4f45-9708-019B960494DF}">
-                <a14:hiddenLine xmlns:a14="http://schemas.microsoft.com/office/drawing/2010/main" xmlns="" w="9525">
+                <a14:hiddenLine xmlns="" xmlns:a14="http://schemas.microsoft.com/office/drawing/2010/main" w="9525">
                   <a:solidFill>
                     <a:srgbClr val="000000"/>
                   </a:solidFill>
@@ -3617,7 +3618,7 @@
             </a:ln>
             <a:extLst>
               <a:ext uri="{91240B29-F687-4f45-9708-019B960494DF}">
-                <a14:hiddenLine xmlns:a14="http://schemas.microsoft.com/office/drawing/2010/main" xmlns="" w="9525">
+                <a14:hiddenLine xmlns="" xmlns:a14="http://schemas.microsoft.com/office/drawing/2010/main" w="9525">
                   <a:solidFill>
                     <a:srgbClr val="000000"/>
                   </a:solidFill>
@@ -3682,7 +3683,7 @@
             </a:ln>
             <a:extLst>
               <a:ext uri="{91240B29-F687-4f45-9708-019B960494DF}">
-                <a14:hiddenLine xmlns:a14="http://schemas.microsoft.com/office/drawing/2010/main" xmlns="" w="9525">
+                <a14:hiddenLine xmlns="" xmlns:a14="http://schemas.microsoft.com/office/drawing/2010/main" w="9525">
                   <a:solidFill>
                     <a:srgbClr val="000000"/>
                   </a:solidFill>
@@ -3744,7 +3745,7 @@
             </a:ln>
             <a:extLst>
               <a:ext uri="{91240B29-F687-4f45-9708-019B960494DF}">
-                <a14:hiddenLine xmlns:a14="http://schemas.microsoft.com/office/drawing/2010/main" xmlns="" w="9525">
+                <a14:hiddenLine xmlns="" xmlns:a14="http://schemas.microsoft.com/office/drawing/2010/main" w="9525">
                   <a:solidFill>
                     <a:srgbClr val="000000"/>
                   </a:solidFill>
@@ -3834,7 +3835,7 @@
             </a:ln>
             <a:extLst>
               <a:ext uri="{91240B29-F687-4f45-9708-019B960494DF}">
-                <a14:hiddenLine xmlns:a14="http://schemas.microsoft.com/office/drawing/2010/main" xmlns="" w="9525">
+                <a14:hiddenLine xmlns="" xmlns:a14="http://schemas.microsoft.com/office/drawing/2010/main" w="9525">
                   <a:solidFill>
                     <a:srgbClr val="000000"/>
                   </a:solidFill>
@@ -3924,7 +3925,7 @@
             </a:ln>
             <a:extLst>
               <a:ext uri="{91240B29-F687-4f45-9708-019B960494DF}">
-                <a14:hiddenLine xmlns:a14="http://schemas.microsoft.com/office/drawing/2010/main" xmlns="" w="9525">
+                <a14:hiddenLine xmlns="" xmlns:a14="http://schemas.microsoft.com/office/drawing/2010/main" w="9525">
                   <a:solidFill>
                     <a:srgbClr val="000000"/>
                   </a:solidFill>
@@ -3986,7 +3987,7 @@
             </a:ln>
             <a:extLst>
               <a:ext uri="{91240B29-F687-4f45-9708-019B960494DF}">
-                <a14:hiddenLine xmlns:a14="http://schemas.microsoft.com/office/drawing/2010/main" xmlns="" w="9525">
+                <a14:hiddenLine xmlns="" xmlns:a14="http://schemas.microsoft.com/office/drawing/2010/main" w="9525">
                   <a:solidFill>
                     <a:srgbClr val="000000"/>
                   </a:solidFill>
@@ -4106,7 +4107,7 @@
             </a:ln>
             <a:extLst>
               <a:ext uri="{91240B29-F687-4f45-9708-019B960494DF}">
-                <a14:hiddenLine xmlns:a14="http://schemas.microsoft.com/office/drawing/2010/main" xmlns="" w="9525">
+                <a14:hiddenLine xmlns="" xmlns:a14="http://schemas.microsoft.com/office/drawing/2010/main" w="9525">
                   <a:solidFill>
                     <a:srgbClr val="000000"/>
                   </a:solidFill>
@@ -4174,7 +4175,7 @@
             </a:ln>
             <a:extLst>
               <a:ext uri="{91240B29-F687-4f45-9708-019B960494DF}">
-                <a14:hiddenLine xmlns:a14="http://schemas.microsoft.com/office/drawing/2010/main" xmlns="" w="9525">
+                <a14:hiddenLine xmlns="" xmlns:a14="http://schemas.microsoft.com/office/drawing/2010/main" w="9525">
                   <a:solidFill>
                     <a:srgbClr val="000000"/>
                   </a:solidFill>
@@ -4264,7 +4265,7 @@
             </a:ln>
             <a:extLst>
               <a:ext uri="{91240B29-F687-4f45-9708-019B960494DF}">
-                <a14:hiddenLine xmlns:a14="http://schemas.microsoft.com/office/drawing/2010/main" xmlns="" w="9525">
+                <a14:hiddenLine xmlns="" xmlns:a14="http://schemas.microsoft.com/office/drawing/2010/main" w="9525">
                   <a:solidFill>
                     <a:srgbClr val="000000"/>
                   </a:solidFill>
@@ -4404,7 +4405,7 @@
           <a:p>
             <a:fld id="{0157764C-75D9-4ECC-A72C-B9C4ABCD0047}" type="datetimeFigureOut">
               <a:rPr lang="en-IN" smtClean="0"/>
-              <a:t>05-02-2024</a:t>
+              <a:t>07-02-2024</a:t>
             </a:fld>
             <a:endParaRPr lang="en-IN"/>
           </a:p>
@@ -4671,7 +4672,7 @@
           <a:p>
             <a:fld id="{0157764C-75D9-4ECC-A72C-B9C4ABCD0047}" type="datetimeFigureOut">
               <a:rPr lang="en-IN" smtClean="0"/>
-              <a:t>05-02-2024</a:t>
+              <a:t>07-02-2024</a:t>
             </a:fld>
             <a:endParaRPr lang="en-IN"/>
           </a:p>
@@ -4867,7 +4868,7 @@
           <a:p>
             <a:fld id="{0157764C-75D9-4ECC-A72C-B9C4ABCD0047}" type="datetimeFigureOut">
               <a:rPr lang="en-IN" smtClean="0"/>
-              <a:t>05-02-2024</a:t>
+              <a:t>07-02-2024</a:t>
             </a:fld>
             <a:endParaRPr lang="en-IN"/>
           </a:p>
@@ -5130,7 +5131,7 @@
           <a:p>
             <a:fld id="{0157764C-75D9-4ECC-A72C-B9C4ABCD0047}" type="datetimeFigureOut">
               <a:rPr lang="en-IN" smtClean="0"/>
-              <a:t>05-02-2024</a:t>
+              <a:t>07-02-2024</a:t>
             </a:fld>
             <a:endParaRPr lang="en-IN"/>
           </a:p>
@@ -5564,7 +5565,7 @@
           <a:p>
             <a:fld id="{0157764C-75D9-4ECC-A72C-B9C4ABCD0047}" type="datetimeFigureOut">
               <a:rPr lang="en-IN" smtClean="0"/>
-              <a:t>05-02-2024</a:t>
+              <a:t>07-02-2024</a:t>
             </a:fld>
             <a:endParaRPr lang="en-IN"/>
           </a:p>
@@ -6110,7 +6111,7 @@
           <a:p>
             <a:fld id="{0157764C-75D9-4ECC-A72C-B9C4ABCD0047}" type="datetimeFigureOut">
               <a:rPr lang="en-IN" smtClean="0"/>
-              <a:t>05-02-2024</a:t>
+              <a:t>07-02-2024</a:t>
             </a:fld>
             <a:endParaRPr lang="en-IN"/>
           </a:p>
@@ -6830,7 +6831,7 @@
           <a:p>
             <a:fld id="{0157764C-75D9-4ECC-A72C-B9C4ABCD0047}" type="datetimeFigureOut">
               <a:rPr lang="en-IN" smtClean="0"/>
-              <a:t>05-02-2024</a:t>
+              <a:t>07-02-2024</a:t>
             </a:fld>
             <a:endParaRPr lang="en-IN"/>
           </a:p>
@@ -7000,7 +7001,7 @@
           <a:p>
             <a:fld id="{0157764C-75D9-4ECC-A72C-B9C4ABCD0047}" type="datetimeFigureOut">
               <a:rPr lang="en-IN" smtClean="0"/>
-              <a:t>05-02-2024</a:t>
+              <a:t>07-02-2024</a:t>
             </a:fld>
             <a:endParaRPr lang="en-IN"/>
           </a:p>
@@ -7180,7 +7181,7 @@
           <a:p>
             <a:fld id="{0157764C-75D9-4ECC-A72C-B9C4ABCD0047}" type="datetimeFigureOut">
               <a:rPr lang="en-IN" smtClean="0"/>
-              <a:t>05-02-2024</a:t>
+              <a:t>07-02-2024</a:t>
             </a:fld>
             <a:endParaRPr lang="en-IN"/>
           </a:p>
@@ -7350,7 +7351,7 @@
           <a:p>
             <a:fld id="{0157764C-75D9-4ECC-A72C-B9C4ABCD0047}" type="datetimeFigureOut">
               <a:rPr lang="en-IN" smtClean="0"/>
-              <a:t>05-02-2024</a:t>
+              <a:t>07-02-2024</a:t>
             </a:fld>
             <a:endParaRPr lang="en-IN"/>
           </a:p>
@@ -7600,7 +7601,7 @@
           <a:p>
             <a:fld id="{0157764C-75D9-4ECC-A72C-B9C4ABCD0047}" type="datetimeFigureOut">
               <a:rPr lang="en-IN" smtClean="0"/>
-              <a:t>05-02-2024</a:t>
+              <a:t>07-02-2024</a:t>
             </a:fld>
             <a:endParaRPr lang="en-IN"/>
           </a:p>
@@ -7832,7 +7833,7 @@
           <a:p>
             <a:fld id="{0157764C-75D9-4ECC-A72C-B9C4ABCD0047}" type="datetimeFigureOut">
               <a:rPr lang="en-IN" smtClean="0"/>
-              <a:t>05-02-2024</a:t>
+              <a:t>07-02-2024</a:t>
             </a:fld>
             <a:endParaRPr lang="en-IN"/>
           </a:p>
@@ -8213,7 +8214,7 @@
           <a:p>
             <a:fld id="{0157764C-75D9-4ECC-A72C-B9C4ABCD0047}" type="datetimeFigureOut">
               <a:rPr lang="en-IN" smtClean="0"/>
-              <a:t>05-02-2024</a:t>
+              <a:t>07-02-2024</a:t>
             </a:fld>
             <a:endParaRPr lang="en-IN"/>
           </a:p>
@@ -8331,7 +8332,7 @@
           <a:p>
             <a:fld id="{0157764C-75D9-4ECC-A72C-B9C4ABCD0047}" type="datetimeFigureOut">
               <a:rPr lang="en-IN" smtClean="0"/>
-              <a:t>05-02-2024</a:t>
+              <a:t>07-02-2024</a:t>
             </a:fld>
             <a:endParaRPr lang="en-IN"/>
           </a:p>
@@ -8426,7 +8427,7 @@
           <a:p>
             <a:fld id="{0157764C-75D9-4ECC-A72C-B9C4ABCD0047}" type="datetimeFigureOut">
               <a:rPr lang="en-IN" smtClean="0"/>
-              <a:t>05-02-2024</a:t>
+              <a:t>07-02-2024</a:t>
             </a:fld>
             <a:endParaRPr lang="en-IN"/>
           </a:p>
@@ -8675,7 +8676,7 @@
           <a:p>
             <a:fld id="{0157764C-75D9-4ECC-A72C-B9C4ABCD0047}" type="datetimeFigureOut">
               <a:rPr lang="en-IN" smtClean="0"/>
-              <a:t>05-02-2024</a:t>
+              <a:t>07-02-2024</a:t>
             </a:fld>
             <a:endParaRPr lang="en-IN"/>
           </a:p>
@@ -8955,7 +8956,7 @@
           <a:p>
             <a:fld id="{0157764C-75D9-4ECC-A72C-B9C4ABCD0047}" type="datetimeFigureOut">
               <a:rPr lang="en-IN" smtClean="0"/>
-              <a:t>05-02-2024</a:t>
+              <a:t>07-02-2024</a:t>
             </a:fld>
             <a:endParaRPr lang="en-IN"/>
           </a:p>
@@ -9020,9 +9021,18 @@
 <p:sldMaster xmlns:a="http://schemas.openxmlformats.org/drawingml/2006/main" xmlns:r="http://schemas.openxmlformats.org/officeDocument/2006/relationships" xmlns:p="http://schemas.openxmlformats.org/presentationml/2006/main">
   <p:cSld>
     <p:bg>
-      <p:bgRef idx="1003">
-        <a:schemeClr val="bg2"/>
-      </p:bgRef>
+      <p:bgPr>
+        <a:blipFill dpi="0" rotWithShape="1">
+          <a:blip r:embed="rId19">
+            <a:lum/>
+          </a:blip>
+          <a:srcRect/>
+          <a:stretch>
+            <a:fillRect t="-9000" b="-9000"/>
+          </a:stretch>
+        </a:blipFill>
+        <a:effectLst/>
+      </p:bgPr>
     </p:bg>
     <p:spTree>
       <p:nvGrpSpPr>
@@ -9047,7 +9057,7 @@
           <p:nvPr/>
         </p:nvPicPr>
         <p:blipFill>
-          <a:blip r:embed="rId19">
+          <a:blip r:embed="rId20">
             <a:alphaModFix amt="30000"/>
             <a:extLst>
               <a:ext uri="{28A0092B-C50C-407E-A947-70E740481C1C}">
@@ -9071,7 +9081,7 @@
           <a:noFill/>
           <a:extLst>
             <a:ext uri="{909E8E84-426E-40dd-AFC4-6F175D3DCCD1}">
-              <a14:hiddenFill xmlns:a14="http://schemas.microsoft.com/office/drawing/2010/main" xmlns="">
+              <a14:hiddenFill xmlns="" xmlns:a14="http://schemas.microsoft.com/office/drawing/2010/main">
                 <a:solidFill>
                   <a:srgbClr val="FFFFFF"/>
                 </a:solidFill>
@@ -9145,7 +9155,7 @@
               </a:ln>
               <a:extLst>
                 <a:ext uri="{91240B29-F687-4f45-9708-019B960494DF}">
-                  <a14:hiddenLine xmlns:a14="http://schemas.microsoft.com/office/drawing/2010/main" xmlns="" w="9525">
+                  <a14:hiddenLine xmlns="" xmlns:a14="http://schemas.microsoft.com/office/drawing/2010/main" w="9525">
                     <a:solidFill>
                       <a:srgbClr val="000000"/>
                     </a:solidFill>
@@ -9235,7 +9245,7 @@
               </a:ln>
               <a:extLst>
                 <a:ext uri="{91240B29-F687-4f45-9708-019B960494DF}">
-                  <a14:hiddenLine xmlns:a14="http://schemas.microsoft.com/office/drawing/2010/main" xmlns="" w="9525">
+                  <a14:hiddenLine xmlns="" xmlns:a14="http://schemas.microsoft.com/office/drawing/2010/main" w="9525">
                     <a:solidFill>
                       <a:srgbClr val="000000"/>
                     </a:solidFill>
@@ -9325,7 +9335,7 @@
               </a:ln>
               <a:extLst>
                 <a:ext uri="{91240B29-F687-4f45-9708-019B960494DF}">
-                  <a14:hiddenLine xmlns:a14="http://schemas.microsoft.com/office/drawing/2010/main" xmlns="" w="9525">
+                  <a14:hiddenLine xmlns="" xmlns:a14="http://schemas.microsoft.com/office/drawing/2010/main" w="9525">
                     <a:solidFill>
                       <a:srgbClr val="000000"/>
                     </a:solidFill>
@@ -9387,7 +9397,7 @@
               </a:ln>
               <a:extLst>
                 <a:ext uri="{91240B29-F687-4f45-9708-019B960494DF}">
-                  <a14:hiddenLine xmlns:a14="http://schemas.microsoft.com/office/drawing/2010/main" xmlns="" w="9525">
+                  <a14:hiddenLine xmlns="" xmlns:a14="http://schemas.microsoft.com/office/drawing/2010/main" w="9525">
                     <a:solidFill>
                       <a:srgbClr val="000000"/>
                     </a:solidFill>
@@ -9477,7 +9487,7 @@
               </a:ln>
               <a:extLst>
                 <a:ext uri="{91240B29-F687-4f45-9708-019B960494DF}">
-                  <a14:hiddenLine xmlns:a14="http://schemas.microsoft.com/office/drawing/2010/main" xmlns="" w="9525">
+                  <a14:hiddenLine xmlns="" xmlns:a14="http://schemas.microsoft.com/office/drawing/2010/main" w="9525">
                     <a:solidFill>
                       <a:srgbClr val="000000"/>
                     </a:solidFill>
@@ -9539,7 +9549,7 @@
               </a:ln>
               <a:extLst>
                 <a:ext uri="{91240B29-F687-4f45-9708-019B960494DF}">
-                  <a14:hiddenLine xmlns:a14="http://schemas.microsoft.com/office/drawing/2010/main" xmlns="" w="9525">
+                  <a14:hiddenLine xmlns="" xmlns:a14="http://schemas.microsoft.com/office/drawing/2010/main" w="9525">
                     <a:solidFill>
                       <a:srgbClr val="000000"/>
                     </a:solidFill>
@@ -9601,7 +9611,7 @@
               </a:ln>
               <a:extLst>
                 <a:ext uri="{91240B29-F687-4f45-9708-019B960494DF}">
-                  <a14:hiddenLine xmlns:a14="http://schemas.microsoft.com/office/drawing/2010/main" xmlns="" w="9525">
+                  <a14:hiddenLine xmlns="" xmlns:a14="http://schemas.microsoft.com/office/drawing/2010/main" w="9525">
                     <a:solidFill>
                       <a:srgbClr val="000000"/>
                     </a:solidFill>
@@ -9691,7 +9701,7 @@
               </a:ln>
               <a:extLst>
                 <a:ext uri="{91240B29-F687-4f45-9708-019B960494DF}">
-                  <a14:hiddenLine xmlns:a14="http://schemas.microsoft.com/office/drawing/2010/main" xmlns="" w="9525">
+                  <a14:hiddenLine xmlns="" xmlns:a14="http://schemas.microsoft.com/office/drawing/2010/main" w="9525">
                     <a:solidFill>
                       <a:srgbClr val="000000"/>
                     </a:solidFill>
@@ -9781,7 +9791,7 @@
               </a:ln>
               <a:extLst>
                 <a:ext uri="{91240B29-F687-4f45-9708-019B960494DF}">
-                  <a14:hiddenLine xmlns:a14="http://schemas.microsoft.com/office/drawing/2010/main" xmlns="" w="9525">
+                  <a14:hiddenLine xmlns="" xmlns:a14="http://schemas.microsoft.com/office/drawing/2010/main" w="9525">
                     <a:solidFill>
                       <a:srgbClr val="000000"/>
                     </a:solidFill>
@@ -9843,7 +9853,7 @@
               </a:ln>
               <a:extLst>
                 <a:ext uri="{91240B29-F687-4f45-9708-019B960494DF}">
-                  <a14:hiddenLine xmlns:a14="http://schemas.microsoft.com/office/drawing/2010/main" xmlns="" w="9525">
+                  <a14:hiddenLine xmlns="" xmlns:a14="http://schemas.microsoft.com/office/drawing/2010/main" w="9525">
                     <a:solidFill>
                       <a:srgbClr val="000000"/>
                     </a:solidFill>
@@ -9953,7 +9963,7 @@
               </a:ln>
               <a:extLst>
                 <a:ext uri="{91240B29-F687-4f45-9708-019B960494DF}">
-                  <a14:hiddenLine xmlns:a14="http://schemas.microsoft.com/office/drawing/2010/main" xmlns="" w="9525">
+                  <a14:hiddenLine xmlns="" xmlns:a14="http://schemas.microsoft.com/office/drawing/2010/main" w="9525">
                     <a:solidFill>
                       <a:srgbClr val="000000"/>
                     </a:solidFill>
@@ -10037,7 +10047,7 @@
               </a:ln>
               <a:extLst>
                 <a:ext uri="{91240B29-F687-4f45-9708-019B960494DF}">
-                  <a14:hiddenLine xmlns:a14="http://schemas.microsoft.com/office/drawing/2010/main" xmlns="" w="9525">
+                  <a14:hiddenLine xmlns="" xmlns:a14="http://schemas.microsoft.com/office/drawing/2010/main" w="9525">
                     <a:solidFill>
                       <a:srgbClr val="000000"/>
                     </a:solidFill>
@@ -10099,7 +10109,7 @@
               </a:ln>
               <a:extLst>
                 <a:ext uri="{91240B29-F687-4f45-9708-019B960494DF}">
-                  <a14:hiddenLine xmlns:a14="http://schemas.microsoft.com/office/drawing/2010/main" xmlns="" w="9525">
+                  <a14:hiddenLine xmlns="" xmlns:a14="http://schemas.microsoft.com/office/drawing/2010/main" w="9525">
                     <a:solidFill>
                       <a:srgbClr val="000000"/>
                     </a:solidFill>
@@ -10161,7 +10171,7 @@
               </a:ln>
               <a:extLst>
                 <a:ext uri="{91240B29-F687-4f45-9708-019B960494DF}">
-                  <a14:hiddenLine xmlns:a14="http://schemas.microsoft.com/office/drawing/2010/main" xmlns="" w="9525">
+                  <a14:hiddenLine xmlns="" xmlns:a14="http://schemas.microsoft.com/office/drawing/2010/main" w="9525">
                     <a:solidFill>
                       <a:srgbClr val="000000"/>
                     </a:solidFill>
@@ -10251,7 +10261,7 @@
               </a:ln>
               <a:extLst>
                 <a:ext uri="{91240B29-F687-4f45-9708-019B960494DF}">
-                  <a14:hiddenLine xmlns:a14="http://schemas.microsoft.com/office/drawing/2010/main" xmlns="" w="9525">
+                  <a14:hiddenLine xmlns="" xmlns:a14="http://schemas.microsoft.com/office/drawing/2010/main" w="9525">
                     <a:solidFill>
                       <a:srgbClr val="000000"/>
                     </a:solidFill>
@@ -10285,7 +10295,7 @@
               </a:ln>
               <a:extLst>
                 <a:ext uri="{91240B29-F687-4f45-9708-019B960494DF}">
-                  <a14:hiddenLine xmlns:a14="http://schemas.microsoft.com/office/drawing/2010/main" xmlns="" w="9525">
+                  <a14:hiddenLine xmlns="" xmlns:a14="http://schemas.microsoft.com/office/drawing/2010/main" w="9525">
                     <a:solidFill>
                       <a:srgbClr val="000000"/>
                     </a:solidFill>
@@ -10350,7 +10360,7 @@
               </a:ln>
               <a:extLst>
                 <a:ext uri="{91240B29-F687-4f45-9708-019B960494DF}">
-                  <a14:hiddenLine xmlns:a14="http://schemas.microsoft.com/office/drawing/2010/main" xmlns="" w="9525">
+                  <a14:hiddenLine xmlns="" xmlns:a14="http://schemas.microsoft.com/office/drawing/2010/main" w="9525">
                     <a:solidFill>
                       <a:srgbClr val="000000"/>
                     </a:solidFill>
@@ -10440,7 +10450,7 @@
               </a:ln>
               <a:extLst>
                 <a:ext uri="{91240B29-F687-4f45-9708-019B960494DF}">
-                  <a14:hiddenLine xmlns:a14="http://schemas.microsoft.com/office/drawing/2010/main" xmlns="" w="9525">
+                  <a14:hiddenLine xmlns="" xmlns:a14="http://schemas.microsoft.com/office/drawing/2010/main" w="9525">
                     <a:solidFill>
                       <a:srgbClr val="000000"/>
                     </a:solidFill>
@@ -10502,7 +10512,7 @@
               </a:ln>
               <a:extLst>
                 <a:ext uri="{91240B29-F687-4f45-9708-019B960494DF}">
-                  <a14:hiddenLine xmlns:a14="http://schemas.microsoft.com/office/drawing/2010/main" xmlns="" w="9525">
+                  <a14:hiddenLine xmlns="" xmlns:a14="http://schemas.microsoft.com/office/drawing/2010/main" w="9525">
                     <a:solidFill>
                       <a:srgbClr val="000000"/>
                     </a:solidFill>
@@ -10592,7 +10602,7 @@
               </a:ln>
               <a:extLst>
                 <a:ext uri="{91240B29-F687-4f45-9708-019B960494DF}">
-                  <a14:hiddenLine xmlns:a14="http://schemas.microsoft.com/office/drawing/2010/main" xmlns="" w="9525">
+                  <a14:hiddenLine xmlns="" xmlns:a14="http://schemas.microsoft.com/office/drawing/2010/main" w="9525">
                     <a:solidFill>
                       <a:srgbClr val="000000"/>
                     </a:solidFill>
@@ -10657,7 +10667,7 @@
               </a:ln>
               <a:extLst>
                 <a:ext uri="{91240B29-F687-4f45-9708-019B960494DF}">
-                  <a14:hiddenLine xmlns:a14="http://schemas.microsoft.com/office/drawing/2010/main" xmlns="" w="9525">
+                  <a14:hiddenLine xmlns="" xmlns:a14="http://schemas.microsoft.com/office/drawing/2010/main" w="9525">
                     <a:solidFill>
                       <a:srgbClr val="000000"/>
                     </a:solidFill>
@@ -10719,7 +10729,7 @@
               </a:ln>
               <a:extLst>
                 <a:ext uri="{91240B29-F687-4f45-9708-019B960494DF}">
-                  <a14:hiddenLine xmlns:a14="http://schemas.microsoft.com/office/drawing/2010/main" xmlns="" w="9525">
+                  <a14:hiddenLine xmlns="" xmlns:a14="http://schemas.microsoft.com/office/drawing/2010/main" w="9525">
                     <a:solidFill>
                       <a:srgbClr val="000000"/>
                     </a:solidFill>
@@ -10809,7 +10819,7 @@
               </a:ln>
               <a:extLst>
                 <a:ext uri="{91240B29-F687-4f45-9708-019B960494DF}">
-                  <a14:hiddenLine xmlns:a14="http://schemas.microsoft.com/office/drawing/2010/main" xmlns="" w="9525">
+                  <a14:hiddenLine xmlns="" xmlns:a14="http://schemas.microsoft.com/office/drawing/2010/main" w="9525">
                     <a:solidFill>
                       <a:srgbClr val="000000"/>
                     </a:solidFill>
@@ -10899,7 +10909,7 @@
               </a:ln>
               <a:extLst>
                 <a:ext uri="{91240B29-F687-4f45-9708-019B960494DF}">
-                  <a14:hiddenLine xmlns:a14="http://schemas.microsoft.com/office/drawing/2010/main" xmlns="" w="9525">
+                  <a14:hiddenLine xmlns="" xmlns:a14="http://schemas.microsoft.com/office/drawing/2010/main" w="9525">
                     <a:solidFill>
                       <a:srgbClr val="000000"/>
                     </a:solidFill>
@@ -10964,7 +10974,7 @@
               </a:ln>
               <a:extLst>
                 <a:ext uri="{91240B29-F687-4f45-9708-019B960494DF}">
-                  <a14:hiddenLine xmlns:a14="http://schemas.microsoft.com/office/drawing/2010/main" xmlns="" w="9525">
+                  <a14:hiddenLine xmlns="" xmlns:a14="http://schemas.microsoft.com/office/drawing/2010/main" w="9525">
                     <a:solidFill>
                       <a:srgbClr val="000000"/>
                     </a:solidFill>
@@ -11084,7 +11094,7 @@
               </a:ln>
               <a:extLst>
                 <a:ext uri="{91240B29-F687-4f45-9708-019B960494DF}">
-                  <a14:hiddenLine xmlns:a14="http://schemas.microsoft.com/office/drawing/2010/main" xmlns="" w="9525">
+                  <a14:hiddenLine xmlns="" xmlns:a14="http://schemas.microsoft.com/office/drawing/2010/main" w="9525">
                     <a:solidFill>
                       <a:srgbClr val="000000"/>
                     </a:solidFill>
@@ -11182,7 +11192,7 @@
               </a:ln>
               <a:extLst>
                 <a:ext uri="{91240B29-F687-4f45-9708-019B960494DF}">
-                  <a14:hiddenLine xmlns:a14="http://schemas.microsoft.com/office/drawing/2010/main" xmlns="" w="9525">
+                  <a14:hiddenLine xmlns="" xmlns:a14="http://schemas.microsoft.com/office/drawing/2010/main" w="9525">
                     <a:solidFill>
                       <a:srgbClr val="000000"/>
                     </a:solidFill>
@@ -11297,7 +11307,7 @@
               </a:ln>
               <a:extLst>
                 <a:ext uri="{91240B29-F687-4f45-9708-019B960494DF}">
-                  <a14:hiddenLine xmlns:a14="http://schemas.microsoft.com/office/drawing/2010/main" xmlns="" w="9525">
+                  <a14:hiddenLine xmlns="" xmlns:a14="http://schemas.microsoft.com/office/drawing/2010/main" w="9525">
                     <a:solidFill>
                       <a:srgbClr val="000000"/>
                     </a:solidFill>
@@ -11387,7 +11397,7 @@
               </a:ln>
               <a:extLst>
                 <a:ext uri="{91240B29-F687-4f45-9708-019B960494DF}">
-                  <a14:hiddenLine xmlns:a14="http://schemas.microsoft.com/office/drawing/2010/main" xmlns="" w="9525">
+                  <a14:hiddenLine xmlns="" xmlns:a14="http://schemas.microsoft.com/office/drawing/2010/main" w="9525">
                     <a:solidFill>
                       <a:srgbClr val="000000"/>
                     </a:solidFill>
@@ -11452,7 +11462,7 @@
               </a:ln>
               <a:extLst>
                 <a:ext uri="{91240B29-F687-4f45-9708-019B960494DF}">
-                  <a14:hiddenLine xmlns:a14="http://schemas.microsoft.com/office/drawing/2010/main" xmlns="" w="9525">
+                  <a14:hiddenLine xmlns="" xmlns:a14="http://schemas.microsoft.com/office/drawing/2010/main" w="9525">
                     <a:solidFill>
                       <a:srgbClr val="000000"/>
                     </a:solidFill>
@@ -11542,7 +11552,7 @@
               </a:ln>
               <a:extLst>
                 <a:ext uri="{91240B29-F687-4f45-9708-019B960494DF}">
-                  <a14:hiddenLine xmlns:a14="http://schemas.microsoft.com/office/drawing/2010/main" xmlns="" w="9525">
+                  <a14:hiddenLine xmlns="" xmlns:a14="http://schemas.microsoft.com/office/drawing/2010/main" w="9525">
                     <a:solidFill>
                       <a:srgbClr val="000000"/>
                     </a:solidFill>
@@ -11610,7 +11620,7 @@
               </a:ln>
               <a:extLst>
                 <a:ext uri="{91240B29-F687-4f45-9708-019B960494DF}">
-                  <a14:hiddenLine xmlns:a14="http://schemas.microsoft.com/office/drawing/2010/main" xmlns="" w="9525">
+                  <a14:hiddenLine xmlns="" xmlns:a14="http://schemas.microsoft.com/office/drawing/2010/main" w="9525">
                     <a:solidFill>
                       <a:srgbClr val="000000"/>
                     </a:solidFill>
@@ -11700,7 +11710,7 @@
               </a:ln>
               <a:extLst>
                 <a:ext uri="{91240B29-F687-4f45-9708-019B960494DF}">
-                  <a14:hiddenLine xmlns:a14="http://schemas.microsoft.com/office/drawing/2010/main" xmlns="" w="9525">
+                  <a14:hiddenLine xmlns="" xmlns:a14="http://schemas.microsoft.com/office/drawing/2010/main" w="9525">
                     <a:solidFill>
                       <a:srgbClr val="000000"/>
                     </a:solidFill>
@@ -11768,7 +11778,7 @@
               </a:ln>
               <a:extLst>
                 <a:ext uri="{91240B29-F687-4f45-9708-019B960494DF}">
-                  <a14:hiddenLine xmlns:a14="http://schemas.microsoft.com/office/drawing/2010/main" xmlns="" w="9525">
+                  <a14:hiddenLine xmlns="" xmlns:a14="http://schemas.microsoft.com/office/drawing/2010/main" w="9525">
                     <a:solidFill>
                       <a:srgbClr val="000000"/>
                     </a:solidFill>
@@ -11858,7 +11868,7 @@
               </a:ln>
               <a:extLst>
                 <a:ext uri="{91240B29-F687-4f45-9708-019B960494DF}">
-                  <a14:hiddenLine xmlns:a14="http://schemas.microsoft.com/office/drawing/2010/main" xmlns="" w="9525">
+                  <a14:hiddenLine xmlns="" xmlns:a14="http://schemas.microsoft.com/office/drawing/2010/main" w="9525">
                     <a:solidFill>
                       <a:srgbClr val="000000"/>
                     </a:solidFill>
@@ -11892,7 +11902,7 @@
               </a:ln>
               <a:extLst>
                 <a:ext uri="{91240B29-F687-4f45-9708-019B960494DF}">
-                  <a14:hiddenLine xmlns:a14="http://schemas.microsoft.com/office/drawing/2010/main" xmlns="" w="9525">
+                  <a14:hiddenLine xmlns="" xmlns:a14="http://schemas.microsoft.com/office/drawing/2010/main" w="9525">
                     <a:solidFill>
                       <a:srgbClr val="000000"/>
                     </a:solidFill>
@@ -12032,7 +12042,7 @@
           <a:p>
             <a:fld id="{0157764C-75D9-4ECC-A72C-B9C4ABCD0047}" type="datetimeFigureOut">
               <a:rPr lang="en-IN" smtClean="0"/>
-              <a:t>05-02-2024</a:t>
+              <a:t>07-02-2024</a:t>
             </a:fld>
             <a:endParaRPr lang="en-IN"/>
           </a:p>
@@ -12452,6 +12462,2304 @@
           <a:chExt cx="0" cy="0"/>
         </a:xfrm>
       </p:grpSpPr>
+      <p:grpSp>
+        <p:nvGrpSpPr>
+          <p:cNvPr id="10" name="Group 9">
+            <a:extLst>
+              <a:ext uri="{FF2B5EF4-FFF2-40B4-BE49-F238E27FC236}">
+                <a16:creationId xmlns:a16="http://schemas.microsoft.com/office/drawing/2014/main" id="{316DCFC9-6877-407C-8170-608FCB8E35AE}"/>
+              </a:ext>
+              <a:ext uri="{C183D7F6-B498-43B3-948B-1728B52AA6E4}">
+                <adec:decorative xmlns:adec="http://schemas.microsoft.com/office/drawing/2017/decorative" val="1"/>
+              </a:ext>
+            </a:extLst>
+          </p:cNvPr>
+          <p:cNvGrpSpPr>
+            <a:grpSpLocks noGrp="1" noUngrp="1" noRot="1" noChangeAspect="1" noMove="1" noResize="1"/>
+          </p:cNvGrpSpPr>
+          <p:nvPr>
+            <p:extLst>
+              <p:ext uri="{386F3935-93C4-4BCD-93E2-E3B085C9AB24}">
+                <p16:designElem xmlns:p16="http://schemas.microsoft.com/office/powerpoint/2015/main" val="1"/>
+              </p:ext>
+            </p:extLst>
+          </p:nvPr>
+        </p:nvGrpSpPr>
+        <p:grpSpPr>
+          <a:xfrm>
+            <a:off x="0" y="-1"/>
+            <a:ext cx="12192003" cy="6858001"/>
+            <a:chOff x="0" y="-1"/>
+            <a:chExt cx="12192003" cy="6858001"/>
+          </a:xfrm>
+        </p:grpSpPr>
+        <p:sp useBgFill="1">
+          <p:nvSpPr>
+            <p:cNvPr id="11" name="Rectangle 10">
+              <a:extLst>
+                <a:ext uri="{FF2B5EF4-FFF2-40B4-BE49-F238E27FC236}">
+                  <a16:creationId xmlns:a16="http://schemas.microsoft.com/office/drawing/2014/main" id="{F7D8B73A-1349-4BA6-8F85-03A21ED56E0F}"/>
+                </a:ext>
+                <a:ext uri="{C183D7F6-B498-43B3-948B-1728B52AA6E4}">
+                  <adec:decorative xmlns:adec="http://schemas.microsoft.com/office/drawing/2017/decorative" val="1"/>
+                </a:ext>
+              </a:extLst>
+            </p:cNvPr>
+            <p:cNvSpPr/>
+            <p:nvPr>
+              <p:extLst>
+                <p:ext uri="{386F3935-93C4-4BCD-93E2-E3B085C9AB24}">
+                  <p16:designElem xmlns:p16="http://schemas.microsoft.com/office/powerpoint/2015/main" val="1"/>
+                </p:ext>
+              </p:extLst>
+            </p:nvPr>
+          </p:nvSpPr>
+          <p:spPr>
+            <a:xfrm>
+              <a:off x="1" y="-1"/>
+              <a:ext cx="12192000" cy="6858000"/>
+            </a:xfrm>
+            <a:prstGeom prst="rect">
+              <a:avLst/>
+            </a:prstGeom>
+            <a:ln>
+              <a:noFill/>
+            </a:ln>
+          </p:spPr>
+          <p:style>
+            <a:lnRef idx="2">
+              <a:schemeClr val="accent1">
+                <a:shade val="50000"/>
+              </a:schemeClr>
+            </a:lnRef>
+            <a:fillRef idx="1">
+              <a:schemeClr val="accent1"/>
+            </a:fillRef>
+            <a:effectRef idx="0">
+              <a:schemeClr val="accent1"/>
+            </a:effectRef>
+            <a:fontRef idx="minor">
+              <a:schemeClr val="lt1"/>
+            </a:fontRef>
+          </p:style>
+          <p:txBody>
+            <a:bodyPr rtlCol="0" anchor="ctr"/>
+            <a:lstStyle/>
+            <a:p>
+              <a:pPr algn="ctr"/>
+              <a:endParaRPr lang="en-US"/>
+            </a:p>
+          </p:txBody>
+        </p:sp>
+        <p:pic>
+          <p:nvPicPr>
+            <p:cNvPr id="12" name="Picture 2">
+              <a:extLst>
+                <a:ext uri="{FF2B5EF4-FFF2-40B4-BE49-F238E27FC236}">
+                  <a16:creationId xmlns:a16="http://schemas.microsoft.com/office/drawing/2014/main" id="{969ADA7C-B6B2-4FD7-AA5E-CC52AAE8CDBD}"/>
+                </a:ext>
+                <a:ext uri="{C183D7F6-B498-43B3-948B-1728B52AA6E4}">
+                  <adec:decorative xmlns:adec="http://schemas.microsoft.com/office/drawing/2017/decorative" val="1"/>
+                </a:ext>
+              </a:extLst>
+            </p:cNvPr>
+            <p:cNvPicPr>
+              <a:picLocks noChangeAspect="1" noChangeArrowheads="1"/>
+            </p:cNvPicPr>
+            <p:nvPr>
+              <p:extLst>
+                <p:ext uri="{386F3935-93C4-4BCD-93E2-E3B085C9AB24}">
+                  <p16:designElem xmlns:p16="http://schemas.microsoft.com/office/powerpoint/2015/main" val="1"/>
+                </p:ext>
+              </p:extLst>
+            </p:nvPr>
+          </p:nvPicPr>
+          <p:blipFill>
+            <a:blip r:embed="rId2">
+              <a:alphaModFix amt="30000"/>
+              <a:duotone>
+                <a:prstClr val="black"/>
+                <a:schemeClr val="tx2">
+                  <a:tint val="45000"/>
+                  <a:satMod val="400000"/>
+                </a:schemeClr>
+              </a:duotone>
+              <a:extLst>
+                <a:ext uri="{28A0092B-C50C-407E-A947-70E740481C1C}">
+                  <a14:useLocalDpi xmlns:a14="http://schemas.microsoft.com/office/drawing/2010/main" val="0"/>
+                </a:ext>
+              </a:extLst>
+            </a:blip>
+            <a:srcRect/>
+            <a:stretch>
+              <a:fillRect/>
+            </a:stretch>
+          </p:blipFill>
+          <p:spPr bwMode="auto">
+            <a:xfrm>
+              <a:off x="0" y="-1"/>
+              <a:ext cx="12192003" cy="6858001"/>
+            </a:xfrm>
+            <a:prstGeom prst="rect">
+              <a:avLst/>
+            </a:prstGeom>
+            <a:noFill/>
+            <a:extLst>
+              <a:ext uri="{909E8E84-426E-40dd-AFC4-6F175D3DCCD1}">
+                <a14:hiddenFill xmlns="" xmlns:a16="http://schemas.microsoft.com/office/drawing/2014/main" xmlns:a14="http://schemas.microsoft.com/office/drawing/2010/main" xmlns:p14="http://schemas.microsoft.com/office/powerpoint/2010/main">
+                  <a:solidFill>
+                    <a:srgbClr val="FFFFFF"/>
+                  </a:solidFill>
+                </a14:hiddenFill>
+              </a:ext>
+            </a:extLst>
+          </p:spPr>
+        </p:pic>
+      </p:grpSp>
+      <p:pic>
+        <p:nvPicPr>
+          <p:cNvPr id="5" name="Picture 4" descr="A pizza with mushrooms and leaves on a black background&#10;&#10;Description automatically generated">
+            <a:extLst>
+              <a:ext uri="{FF2B5EF4-FFF2-40B4-BE49-F238E27FC236}">
+                <a16:creationId xmlns:a16="http://schemas.microsoft.com/office/drawing/2014/main" id="{D94995B4-2815-9BAC-C979-E3ADE2F0304E}"/>
+              </a:ext>
+            </a:extLst>
+          </p:cNvPr>
+          <p:cNvPicPr>
+            <a:picLocks noChangeAspect="1"/>
+          </p:cNvPicPr>
+          <p:nvPr/>
+        </p:nvPicPr>
+        <p:blipFill rotWithShape="1">
+          <a:blip r:embed="rId3">
+            <a:alphaModFix/>
+            <a:extLst>
+              <a:ext uri="{28A0092B-C50C-407E-A947-70E740481C1C}">
+                <a14:useLocalDpi xmlns:a14="http://schemas.microsoft.com/office/drawing/2010/main" val="0"/>
+              </a:ext>
+            </a:extLst>
+          </a:blip>
+          <a:srcRect b="15706"/>
+          <a:stretch/>
+        </p:blipFill>
+        <p:spPr>
+          <a:xfrm>
+            <a:off x="3611" y="10"/>
+            <a:ext cx="12188389" cy="6857990"/>
+          </a:xfrm>
+          <a:prstGeom prst="rect">
+            <a:avLst/>
+          </a:prstGeom>
+        </p:spPr>
+      </p:pic>
+      <p:grpSp>
+        <p:nvGrpSpPr>
+          <p:cNvPr id="14" name="Group 13">
+            <a:extLst>
+              <a:ext uri="{FF2B5EF4-FFF2-40B4-BE49-F238E27FC236}">
+                <a16:creationId xmlns:a16="http://schemas.microsoft.com/office/drawing/2014/main" id="{89353FE7-0D03-4AD2-8B8A-60A06F6BDA4C}"/>
+              </a:ext>
+              <a:ext uri="{C183D7F6-B498-43B3-948B-1728B52AA6E4}">
+                <adec:decorative xmlns:adec="http://schemas.microsoft.com/office/drawing/2017/decorative" val="1"/>
+              </a:ext>
+            </a:extLst>
+          </p:cNvPr>
+          <p:cNvGrpSpPr>
+            <a:grpSpLocks noGrp="1" noUngrp="1" noRot="1" noChangeAspect="1" noMove="1" noResize="1"/>
+          </p:cNvGrpSpPr>
+          <p:nvPr>
+            <p:extLst>
+              <p:ext uri="{386F3935-93C4-4BCD-93E2-E3B085C9AB24}">
+                <p16:designElem xmlns:p16="http://schemas.microsoft.com/office/powerpoint/2015/main" val="1"/>
+              </p:ext>
+            </p:extLst>
+          </p:nvPr>
+        </p:nvGrpSpPr>
+        <p:grpSpPr>
+          <a:xfrm>
+            <a:off x="605895" y="2235200"/>
+            <a:ext cx="10982062" cy="2396067"/>
+            <a:chOff x="605895" y="2235200"/>
+            <a:chExt cx="10982062" cy="2396067"/>
+          </a:xfrm>
+        </p:grpSpPr>
+        <p:sp>
+          <p:nvSpPr>
+            <p:cNvPr id="15" name="Round Diagonal Corner Rectangle 7">
+              <a:extLst>
+                <a:ext uri="{FF2B5EF4-FFF2-40B4-BE49-F238E27FC236}">
+                  <a16:creationId xmlns:a16="http://schemas.microsoft.com/office/drawing/2014/main" id="{0C7A0320-FBCC-4F40-AF6E-CE65FFB3DA9D}"/>
+                </a:ext>
+                <a:ext uri="{C183D7F6-B498-43B3-948B-1728B52AA6E4}">
+                  <adec:decorative xmlns:adec="http://schemas.microsoft.com/office/drawing/2017/decorative" val="1"/>
+                </a:ext>
+              </a:extLst>
+            </p:cNvPr>
+            <p:cNvSpPr/>
+            <p:nvPr>
+              <p:extLst>
+                <p:ext uri="{386F3935-93C4-4BCD-93E2-E3B085C9AB24}">
+                  <p16:designElem xmlns:p16="http://schemas.microsoft.com/office/powerpoint/2015/main" val="1"/>
+                </p:ext>
+              </p:extLst>
+            </p:nvPr>
+          </p:nvSpPr>
+          <p:spPr>
+            <a:xfrm>
+              <a:off x="2582333" y="2235200"/>
+              <a:ext cx="7027334" cy="2396067"/>
+            </a:xfrm>
+            <a:prstGeom prst="round2DiagRect">
+              <a:avLst>
+                <a:gd name="adj1" fmla="val 9246"/>
+                <a:gd name="adj2" fmla="val 0"/>
+              </a:avLst>
+            </a:prstGeom>
+            <a:solidFill>
+              <a:schemeClr val="bg1">
+                <a:alpha val="80000"/>
+              </a:schemeClr>
+            </a:solidFill>
+            <a:ln w="19050" cap="sq">
+              <a:solidFill>
+                <a:schemeClr val="tx2">
+                  <a:alpha val="60000"/>
+                </a:schemeClr>
+              </a:solidFill>
+              <a:miter lim="800000"/>
+            </a:ln>
+            <a:effectLst>
+              <a:outerShdw blurRad="88900" dist="38100" dir="5400000" algn="t" rotWithShape="0">
+                <a:prstClr val="black">
+                  <a:alpha val="40000"/>
+                </a:prstClr>
+              </a:outerShdw>
+            </a:effectLst>
+          </p:spPr>
+          <p:style>
+            <a:lnRef idx="1">
+              <a:schemeClr val="accent1"/>
+            </a:lnRef>
+            <a:fillRef idx="3">
+              <a:schemeClr val="accent1"/>
+            </a:fillRef>
+            <a:effectRef idx="2">
+              <a:schemeClr val="accent1"/>
+            </a:effectRef>
+            <a:fontRef idx="minor">
+              <a:schemeClr val="lt1"/>
+            </a:fontRef>
+          </p:style>
+          <p:txBody>
+            <a:bodyPr rtlCol="0" anchor="ctr"/>
+            <a:lstStyle/>
+            <a:p>
+              <a:pPr algn="ctr"/>
+              <a:endParaRPr lang="en-US"/>
+            </a:p>
+          </p:txBody>
+        </p:sp>
+        <p:grpSp>
+          <p:nvGrpSpPr>
+            <p:cNvPr id="16" name="Group 15">
+              <a:extLst>
+                <a:ext uri="{FF2B5EF4-FFF2-40B4-BE49-F238E27FC236}">
+                  <a16:creationId xmlns:a16="http://schemas.microsoft.com/office/drawing/2014/main" id="{550A26E4-02C9-4F83-A334-0920B8CCF281}"/>
+                </a:ext>
+                <a:ext uri="{C183D7F6-B498-43B3-948B-1728B52AA6E4}">
+                  <adec:decorative xmlns:adec="http://schemas.microsoft.com/office/drawing/2017/decorative" val="1"/>
+                </a:ext>
+              </a:extLst>
+            </p:cNvPr>
+            <p:cNvGrpSpPr/>
+            <p:nvPr>
+              <p:extLst>
+                <p:ext uri="{386F3935-93C4-4BCD-93E2-E3B085C9AB24}">
+                  <p16:designElem xmlns:p16="http://schemas.microsoft.com/office/powerpoint/2015/main" val="1"/>
+                </p:ext>
+              </p:extLst>
+            </p:nvPr>
+          </p:nvGrpSpPr>
+          <p:grpSpPr>
+            <a:xfrm>
+              <a:off x="605895" y="2900097"/>
+              <a:ext cx="10982062" cy="1211524"/>
+              <a:chOff x="605895" y="2900097"/>
+              <a:chExt cx="10982062" cy="1211524"/>
+            </a:xfrm>
+          </p:grpSpPr>
+          <p:sp>
+            <p:nvSpPr>
+              <p:cNvPr id="17" name="Freeform 32">
+                <a:extLst>
+                  <a:ext uri="{FF2B5EF4-FFF2-40B4-BE49-F238E27FC236}">
+                    <a16:creationId xmlns:a16="http://schemas.microsoft.com/office/drawing/2014/main" id="{06617CD6-4185-402B-8E23-BC52780534A1}"/>
+                  </a:ext>
+                  <a:ext uri="{C183D7F6-B498-43B3-948B-1728B52AA6E4}">
+                    <adec:decorative xmlns:adec="http://schemas.microsoft.com/office/drawing/2017/decorative" val="1"/>
+                  </a:ext>
+                </a:extLst>
+              </p:cNvPr>
+              <p:cNvSpPr/>
+              <p:nvPr>
+                <p:extLst>
+                  <p:ext uri="{386F3935-93C4-4BCD-93E2-E3B085C9AB24}">
+                    <p16:designElem xmlns:p16="http://schemas.microsoft.com/office/powerpoint/2015/main" val="1"/>
+                  </p:ext>
+                </p:extLst>
+              </p:nvPr>
+            </p:nvSpPr>
+            <p:spPr bwMode="auto">
+              <a:xfrm rot="5400000" flipV="1">
+                <a:off x="9653587" y="3379784"/>
+                <a:ext cx="417513" cy="512763"/>
+              </a:xfrm>
+              <a:custGeom>
+                <a:avLst/>
+                <a:gdLst/>
+                <a:ahLst/>
+                <a:cxnLst/>
+                <a:rect l="0" t="0" r="r" b="b"/>
+                <a:pathLst>
+                  <a:path w="263" h="323">
+                    <a:moveTo>
+                      <a:pt x="12" y="323"/>
+                    </a:moveTo>
+                    <a:lnTo>
+                      <a:pt x="0" y="314"/>
+                    </a:lnTo>
+                    <a:lnTo>
+                      <a:pt x="203" y="108"/>
+                    </a:lnTo>
+                    <a:lnTo>
+                      <a:pt x="248" y="0"/>
+                    </a:lnTo>
+                    <a:lnTo>
+                      <a:pt x="263" y="6"/>
+                    </a:lnTo>
+                    <a:lnTo>
+                      <a:pt x="218" y="117"/>
+                    </a:lnTo>
+                    <a:lnTo>
+                      <a:pt x="218" y="117"/>
+                    </a:lnTo>
+                    <a:lnTo>
+                      <a:pt x="12" y="323"/>
+                    </a:lnTo>
+                    <a:close/>
+                  </a:path>
+                </a:pathLst>
+              </a:custGeom>
+              <a:solidFill>
+                <a:schemeClr val="tx2">
+                  <a:alpha val="60000"/>
+                </a:schemeClr>
+              </a:solidFill>
+              <a:ln>
+                <a:noFill/>
+              </a:ln>
+              <a:effectLst>
+                <a:outerShdw blurRad="50800" dist="38100" dir="2700000" algn="tl" rotWithShape="0">
+                  <a:srgbClr val="000000">
+                    <a:alpha val="58000"/>
+                  </a:srgbClr>
+                </a:outerShdw>
+              </a:effectLst>
+            </p:spPr>
+            <p:txBody>
+              <a:bodyPr/>
+              <a:lstStyle/>
+              <a:p>
+                <a:endParaRPr lang="en-US"/>
+              </a:p>
+            </p:txBody>
+          </p:sp>
+          <p:sp>
+            <p:nvSpPr>
+              <p:cNvPr id="18" name="Freeform 33">
+                <a:extLst>
+                  <a:ext uri="{FF2B5EF4-FFF2-40B4-BE49-F238E27FC236}">
+                    <a16:creationId xmlns:a16="http://schemas.microsoft.com/office/drawing/2014/main" id="{2C305CC9-3511-47F4-BF11-BC635C30C91B}"/>
+                  </a:ext>
+                  <a:ext uri="{C183D7F6-B498-43B3-948B-1728B52AA6E4}">
+                    <adec:decorative xmlns:adec="http://schemas.microsoft.com/office/drawing/2017/decorative" val="1"/>
+                  </a:ext>
+                </a:extLst>
+              </p:cNvPr>
+              <p:cNvSpPr>
+                <a:spLocks noEditPoints="1"/>
+              </p:cNvSpPr>
+              <p:nvPr>
+                <p:extLst>
+                  <p:ext uri="{386F3935-93C4-4BCD-93E2-E3B085C9AB24}">
+                    <p16:designElem xmlns:p16="http://schemas.microsoft.com/office/powerpoint/2015/main" val="1"/>
+                  </p:ext>
+                </p:extLst>
+              </p:nvPr>
+            </p:nvSpPr>
+            <p:spPr bwMode="auto">
+              <a:xfrm rot="5400000" flipV="1">
+                <a:off x="10078244" y="3310728"/>
+                <a:ext cx="157163" cy="152400"/>
+              </a:xfrm>
+              <a:custGeom>
+                <a:avLst/>
+                <a:gdLst/>
+                <a:ahLst/>
+                <a:cxnLst/>
+                <a:rect l="0" t="0" r="r" b="b"/>
+                <a:pathLst>
+                  <a:path w="33" h="32">
+                    <a:moveTo>
+                      <a:pt x="17" y="32"/>
+                    </a:moveTo>
+                    <a:cubicBezTo>
+                      <a:pt x="13" y="32"/>
+                      <a:pt x="9" y="30"/>
+                      <a:pt x="6" y="27"/>
+                    </a:cubicBezTo>
+                    <a:cubicBezTo>
+                      <a:pt x="0" y="21"/>
+                      <a:pt x="0" y="11"/>
+                      <a:pt x="6" y="5"/>
+                    </a:cubicBezTo>
+                    <a:cubicBezTo>
+                      <a:pt x="9" y="2"/>
+                      <a:pt x="13" y="0"/>
+                      <a:pt x="17" y="0"/>
+                    </a:cubicBezTo>
+                    <a:cubicBezTo>
+                      <a:pt x="21" y="0"/>
+                      <a:pt x="25" y="2"/>
+                      <a:pt x="28" y="5"/>
+                    </a:cubicBezTo>
+                    <a:cubicBezTo>
+                      <a:pt x="31" y="8"/>
+                      <a:pt x="33" y="12"/>
+                      <a:pt x="33" y="16"/>
+                    </a:cubicBezTo>
+                    <a:cubicBezTo>
+                      <a:pt x="33" y="20"/>
+                      <a:pt x="31" y="24"/>
+                      <a:pt x="28" y="27"/>
+                    </a:cubicBezTo>
+                    <a:cubicBezTo>
+                      <a:pt x="25" y="30"/>
+                      <a:pt x="21" y="32"/>
+                      <a:pt x="17" y="32"/>
+                    </a:cubicBezTo>
+                    <a:close/>
+                    <a:moveTo>
+                      <a:pt x="17" y="4"/>
+                    </a:moveTo>
+                    <a:cubicBezTo>
+                      <a:pt x="14" y="4"/>
+                      <a:pt x="11" y="6"/>
+                      <a:pt x="9" y="8"/>
+                    </a:cubicBezTo>
+                    <a:cubicBezTo>
+                      <a:pt x="4" y="12"/>
+                      <a:pt x="4" y="20"/>
+                      <a:pt x="9" y="24"/>
+                    </a:cubicBezTo>
+                    <a:cubicBezTo>
+                      <a:pt x="11" y="27"/>
+                      <a:pt x="14" y="28"/>
+                      <a:pt x="17" y="28"/>
+                    </a:cubicBezTo>
+                    <a:cubicBezTo>
+                      <a:pt x="20" y="28"/>
+                      <a:pt x="23" y="27"/>
+                      <a:pt x="26" y="24"/>
+                    </a:cubicBezTo>
+                    <a:cubicBezTo>
+                      <a:pt x="30" y="20"/>
+                      <a:pt x="30" y="12"/>
+                      <a:pt x="26" y="8"/>
+                    </a:cubicBezTo>
+                    <a:cubicBezTo>
+                      <a:pt x="23" y="6"/>
+                      <a:pt x="20" y="4"/>
+                      <a:pt x="17" y="4"/>
+                    </a:cubicBezTo>
+                    <a:close/>
+                  </a:path>
+                </a:pathLst>
+              </a:custGeom>
+              <a:solidFill>
+                <a:schemeClr val="tx2">
+                  <a:alpha val="60000"/>
+                </a:schemeClr>
+              </a:solidFill>
+              <a:ln>
+                <a:noFill/>
+              </a:ln>
+              <a:effectLst>
+                <a:outerShdw blurRad="50800" dist="38100" dir="2700000" algn="tl" rotWithShape="0">
+                  <a:srgbClr val="000000">
+                    <a:alpha val="58000"/>
+                  </a:srgbClr>
+                </a:outerShdw>
+              </a:effectLst>
+            </p:spPr>
+            <p:txBody>
+              <a:bodyPr/>
+              <a:lstStyle/>
+              <a:p>
+                <a:endParaRPr lang="en-US"/>
+              </a:p>
+            </p:txBody>
+          </p:sp>
+          <p:sp>
+            <p:nvSpPr>
+              <p:cNvPr id="19" name="Freeform 34">
+                <a:extLst>
+                  <a:ext uri="{FF2B5EF4-FFF2-40B4-BE49-F238E27FC236}">
+                    <a16:creationId xmlns:a16="http://schemas.microsoft.com/office/drawing/2014/main" id="{5C70C5D1-31E4-48B9-AEB6-6460A2B81F20}"/>
+                  </a:ext>
+                  <a:ext uri="{C183D7F6-B498-43B3-948B-1728B52AA6E4}">
+                    <adec:decorative xmlns:adec="http://schemas.microsoft.com/office/drawing/2017/decorative" val="1"/>
+                  </a:ext>
+                </a:extLst>
+              </p:cNvPr>
+              <p:cNvSpPr>
+                <a:spLocks noEditPoints="1"/>
+              </p:cNvSpPr>
+              <p:nvPr>
+                <p:extLst>
+                  <p:ext uri="{386F3935-93C4-4BCD-93E2-E3B085C9AB24}">
+                    <p16:designElem xmlns:p16="http://schemas.microsoft.com/office/powerpoint/2015/main" val="1"/>
+                  </p:ext>
+                </p:extLst>
+              </p:nvPr>
+            </p:nvSpPr>
+            <p:spPr bwMode="auto">
+              <a:xfrm rot="5400000" flipV="1">
+                <a:off x="11146631" y="3574253"/>
+                <a:ext cx="188913" cy="190500"/>
+              </a:xfrm>
+              <a:custGeom>
+                <a:avLst/>
+                <a:gdLst/>
+                <a:ahLst/>
+                <a:cxnLst/>
+                <a:rect l="0" t="0" r="r" b="b"/>
+                <a:pathLst>
+                  <a:path w="40" h="40">
+                    <a:moveTo>
+                      <a:pt x="20" y="40"/>
+                    </a:moveTo>
+                    <a:cubicBezTo>
+                      <a:pt x="9" y="40"/>
+                      <a:pt x="0" y="31"/>
+                      <a:pt x="0" y="20"/>
+                    </a:cubicBezTo>
+                    <a:cubicBezTo>
+                      <a:pt x="0" y="9"/>
+                      <a:pt x="9" y="0"/>
+                      <a:pt x="20" y="0"/>
+                    </a:cubicBezTo>
+                    <a:cubicBezTo>
+                      <a:pt x="31" y="0"/>
+                      <a:pt x="40" y="9"/>
+                      <a:pt x="40" y="20"/>
+                    </a:cubicBezTo>
+                    <a:cubicBezTo>
+                      <a:pt x="40" y="31"/>
+                      <a:pt x="31" y="40"/>
+                      <a:pt x="20" y="40"/>
+                    </a:cubicBezTo>
+                    <a:close/>
+                    <a:moveTo>
+                      <a:pt x="20" y="4"/>
+                    </a:moveTo>
+                    <a:cubicBezTo>
+                      <a:pt x="11" y="4"/>
+                      <a:pt x="4" y="11"/>
+                      <a:pt x="4" y="20"/>
+                    </a:cubicBezTo>
+                    <a:cubicBezTo>
+                      <a:pt x="4" y="29"/>
+                      <a:pt x="11" y="36"/>
+                      <a:pt x="20" y="36"/>
+                    </a:cubicBezTo>
+                    <a:cubicBezTo>
+                      <a:pt x="29" y="36"/>
+                      <a:pt x="36" y="29"/>
+                      <a:pt x="36" y="20"/>
+                    </a:cubicBezTo>
+                    <a:cubicBezTo>
+                      <a:pt x="36" y="11"/>
+                      <a:pt x="29" y="4"/>
+                      <a:pt x="20" y="4"/>
+                    </a:cubicBezTo>
+                    <a:close/>
+                  </a:path>
+                </a:pathLst>
+              </a:custGeom>
+              <a:solidFill>
+                <a:schemeClr val="tx2">
+                  <a:alpha val="60000"/>
+                </a:schemeClr>
+              </a:solidFill>
+              <a:ln>
+                <a:noFill/>
+              </a:ln>
+              <a:effectLst>
+                <a:outerShdw blurRad="50800" dist="38100" dir="2700000" algn="tl" rotWithShape="0">
+                  <a:srgbClr val="000000">
+                    <a:alpha val="58000"/>
+                  </a:srgbClr>
+                </a:outerShdw>
+              </a:effectLst>
+            </p:spPr>
+            <p:txBody>
+              <a:bodyPr/>
+              <a:lstStyle/>
+              <a:p>
+                <a:endParaRPr lang="en-US"/>
+              </a:p>
+            </p:txBody>
+          </p:sp>
+          <p:sp>
+            <p:nvSpPr>
+              <p:cNvPr id="20" name="Freeform 37">
+                <a:extLst>
+                  <a:ext uri="{FF2B5EF4-FFF2-40B4-BE49-F238E27FC236}">
+                    <a16:creationId xmlns:a16="http://schemas.microsoft.com/office/drawing/2014/main" id="{1F033CE1-D380-43F1-81EC-97B6C86F3937}"/>
+                  </a:ext>
+                  <a:ext uri="{C183D7F6-B498-43B3-948B-1728B52AA6E4}">
+                    <adec:decorative xmlns:adec="http://schemas.microsoft.com/office/drawing/2017/decorative" val="1"/>
+                  </a:ext>
+                </a:extLst>
+              </p:cNvPr>
+              <p:cNvSpPr/>
+              <p:nvPr>
+                <p:extLst>
+                  <p:ext uri="{386F3935-93C4-4BCD-93E2-E3B085C9AB24}">
+                    <p16:designElem xmlns:p16="http://schemas.microsoft.com/office/powerpoint/2015/main" val="1"/>
+                  </p:ext>
+                </p:extLst>
+              </p:nvPr>
+            </p:nvSpPr>
+            <p:spPr bwMode="auto">
+              <a:xfrm rot="5400000" flipV="1">
+                <a:off x="10230644" y="3034502"/>
+                <a:ext cx="304800" cy="1544638"/>
+              </a:xfrm>
+              <a:custGeom>
+                <a:avLst/>
+                <a:gdLst/>
+                <a:ahLst/>
+                <a:cxnLst/>
+                <a:rect l="0" t="0" r="r" b="b"/>
+                <a:pathLst>
+                  <a:path w="192" h="973">
+                    <a:moveTo>
+                      <a:pt x="15" y="973"/>
+                    </a:moveTo>
+                    <a:lnTo>
+                      <a:pt x="0" y="973"/>
+                    </a:lnTo>
+                    <a:lnTo>
+                      <a:pt x="0" y="790"/>
+                    </a:lnTo>
+                    <a:lnTo>
+                      <a:pt x="174" y="614"/>
+                    </a:lnTo>
+                    <a:lnTo>
+                      <a:pt x="174" y="0"/>
+                    </a:lnTo>
+                    <a:lnTo>
+                      <a:pt x="192" y="0"/>
+                    </a:lnTo>
+                    <a:lnTo>
+                      <a:pt x="192" y="620"/>
+                    </a:lnTo>
+                    <a:lnTo>
+                      <a:pt x="15" y="796"/>
+                    </a:lnTo>
+                    <a:lnTo>
+                      <a:pt x="15" y="973"/>
+                    </a:lnTo>
+                    <a:close/>
+                  </a:path>
+                </a:pathLst>
+              </a:custGeom>
+              <a:solidFill>
+                <a:schemeClr val="tx2">
+                  <a:alpha val="60000"/>
+                </a:schemeClr>
+              </a:solidFill>
+              <a:ln>
+                <a:noFill/>
+              </a:ln>
+              <a:effectLst>
+                <a:outerShdw blurRad="50800" dist="38100" dir="2700000" algn="tl" rotWithShape="0">
+                  <a:srgbClr val="000000">
+                    <a:alpha val="58000"/>
+                  </a:srgbClr>
+                </a:outerShdw>
+              </a:effectLst>
+            </p:spPr>
+            <p:txBody>
+              <a:bodyPr/>
+              <a:lstStyle/>
+              <a:p>
+                <a:endParaRPr lang="en-US"/>
+              </a:p>
+            </p:txBody>
+          </p:sp>
+          <p:sp>
+            <p:nvSpPr>
+              <p:cNvPr id="21" name="Freeform 35">
+                <a:extLst>
+                  <a:ext uri="{FF2B5EF4-FFF2-40B4-BE49-F238E27FC236}">
+                    <a16:creationId xmlns:a16="http://schemas.microsoft.com/office/drawing/2014/main" id="{6997F95D-DC27-48A3-850A-2308C3C0808A}"/>
+                  </a:ext>
+                  <a:ext uri="{C183D7F6-B498-43B3-948B-1728B52AA6E4}">
+                    <adec:decorative xmlns:adec="http://schemas.microsoft.com/office/drawing/2017/decorative" val="1"/>
+                  </a:ext>
+                </a:extLst>
+              </p:cNvPr>
+              <p:cNvSpPr/>
+              <p:nvPr>
+                <p:extLst>
+                  <p:ext uri="{386F3935-93C4-4BCD-93E2-E3B085C9AB24}">
+                    <p16:designElem xmlns:p16="http://schemas.microsoft.com/office/powerpoint/2015/main" val="1"/>
+                  </p:ext>
+                </p:extLst>
+              </p:nvPr>
+            </p:nvSpPr>
+            <p:spPr bwMode="auto">
+              <a:xfrm rot="5400000">
+                <a:off x="10034587" y="2562753"/>
+                <a:ext cx="298450" cy="1154113"/>
+              </a:xfrm>
+              <a:custGeom>
+                <a:avLst/>
+                <a:gdLst/>
+                <a:ahLst/>
+                <a:cxnLst/>
+                <a:rect l="0" t="0" r="r" b="b"/>
+                <a:pathLst>
+                  <a:path w="188" h="727">
+                    <a:moveTo>
+                      <a:pt x="15" y="727"/>
+                    </a:moveTo>
+                    <a:lnTo>
+                      <a:pt x="0" y="727"/>
+                    </a:lnTo>
+                    <a:lnTo>
+                      <a:pt x="0" y="407"/>
+                    </a:lnTo>
+                    <a:lnTo>
+                      <a:pt x="0" y="407"/>
+                    </a:lnTo>
+                    <a:lnTo>
+                      <a:pt x="176" y="0"/>
+                    </a:lnTo>
+                    <a:lnTo>
+                      <a:pt x="188" y="6"/>
+                    </a:lnTo>
+                    <a:lnTo>
+                      <a:pt x="15" y="410"/>
+                    </a:lnTo>
+                    <a:lnTo>
+                      <a:pt x="15" y="727"/>
+                    </a:lnTo>
+                    <a:close/>
+                  </a:path>
+                </a:pathLst>
+              </a:custGeom>
+              <a:solidFill>
+                <a:schemeClr val="tx2">
+                  <a:alpha val="60000"/>
+                </a:schemeClr>
+              </a:solidFill>
+              <a:ln>
+                <a:noFill/>
+              </a:ln>
+              <a:effectLst>
+                <a:outerShdw blurRad="50800" dist="38100" dir="2700000" algn="tl" rotWithShape="0">
+                  <a:srgbClr val="000000">
+                    <a:alpha val="58000"/>
+                  </a:srgbClr>
+                </a:outerShdw>
+              </a:effectLst>
+            </p:spPr>
+            <p:txBody>
+              <a:bodyPr/>
+              <a:lstStyle/>
+              <a:p>
+                <a:endParaRPr lang="en-US"/>
+              </a:p>
+            </p:txBody>
+          </p:sp>
+          <p:sp>
+            <p:nvSpPr>
+              <p:cNvPr id="22" name="Freeform 36">
+                <a:extLst>
+                  <a:ext uri="{FF2B5EF4-FFF2-40B4-BE49-F238E27FC236}">
+                    <a16:creationId xmlns:a16="http://schemas.microsoft.com/office/drawing/2014/main" id="{569AE469-76B7-4FFE-B68B-0D7A77413F2B}"/>
+                  </a:ext>
+                  <a:ext uri="{C183D7F6-B498-43B3-948B-1728B52AA6E4}">
+                    <adec:decorative xmlns:adec="http://schemas.microsoft.com/office/drawing/2017/decorative" val="1"/>
+                  </a:ext>
+                </a:extLst>
+              </p:cNvPr>
+              <p:cNvSpPr>
+                <a:spLocks noEditPoints="1"/>
+              </p:cNvSpPr>
+              <p:nvPr>
+                <p:extLst>
+                  <p:ext uri="{386F3935-93C4-4BCD-93E2-E3B085C9AB24}">
+                    <p16:designElem xmlns:p16="http://schemas.microsoft.com/office/powerpoint/2015/main" val="1"/>
+                  </p:ext>
+                </p:extLst>
+              </p:nvPr>
+            </p:nvSpPr>
+            <p:spPr bwMode="auto">
+              <a:xfrm rot="5400000">
+                <a:off x="10747375" y="3232679"/>
+                <a:ext cx="157163" cy="155575"/>
+              </a:xfrm>
+              <a:custGeom>
+                <a:avLst/>
+                <a:gdLst/>
+                <a:ahLst/>
+                <a:cxnLst/>
+                <a:rect l="0" t="0" r="r" b="b"/>
+                <a:pathLst>
+                  <a:path w="33" h="33">
+                    <a:moveTo>
+                      <a:pt x="17" y="33"/>
+                    </a:moveTo>
+                    <a:cubicBezTo>
+                      <a:pt x="8" y="33"/>
+                      <a:pt x="0" y="25"/>
+                      <a:pt x="0" y="16"/>
+                    </a:cubicBezTo>
+                    <a:cubicBezTo>
+                      <a:pt x="0" y="7"/>
+                      <a:pt x="8" y="0"/>
+                      <a:pt x="17" y="0"/>
+                    </a:cubicBezTo>
+                    <a:cubicBezTo>
+                      <a:pt x="26" y="0"/>
+                      <a:pt x="33" y="7"/>
+                      <a:pt x="33" y="16"/>
+                    </a:cubicBezTo>
+                    <a:cubicBezTo>
+                      <a:pt x="33" y="25"/>
+                      <a:pt x="26" y="33"/>
+                      <a:pt x="17" y="33"/>
+                    </a:cubicBezTo>
+                    <a:close/>
+                    <a:moveTo>
+                      <a:pt x="17" y="4"/>
+                    </a:moveTo>
+                    <a:cubicBezTo>
+                      <a:pt x="10" y="4"/>
+                      <a:pt x="4" y="9"/>
+                      <a:pt x="4" y="16"/>
+                    </a:cubicBezTo>
+                    <a:cubicBezTo>
+                      <a:pt x="4" y="23"/>
+                      <a:pt x="10" y="29"/>
+                      <a:pt x="17" y="29"/>
+                    </a:cubicBezTo>
+                    <a:cubicBezTo>
+                      <a:pt x="23" y="29"/>
+                      <a:pt x="29" y="23"/>
+                      <a:pt x="29" y="16"/>
+                    </a:cubicBezTo>
+                    <a:cubicBezTo>
+                      <a:pt x="29" y="9"/>
+                      <a:pt x="23" y="4"/>
+                      <a:pt x="17" y="4"/>
+                    </a:cubicBezTo>
+                    <a:close/>
+                  </a:path>
+                </a:pathLst>
+              </a:custGeom>
+              <a:solidFill>
+                <a:schemeClr val="tx2">
+                  <a:alpha val="60000"/>
+                </a:schemeClr>
+              </a:solidFill>
+              <a:ln>
+                <a:noFill/>
+              </a:ln>
+              <a:effectLst>
+                <a:outerShdw blurRad="50800" dist="38100" dir="2700000" algn="tl" rotWithShape="0">
+                  <a:srgbClr val="000000">
+                    <a:alpha val="58000"/>
+                  </a:srgbClr>
+                </a:outerShdw>
+              </a:effectLst>
+            </p:spPr>
+            <p:txBody>
+              <a:bodyPr/>
+              <a:lstStyle/>
+              <a:p>
+                <a:endParaRPr lang="en-US"/>
+              </a:p>
+            </p:txBody>
+          </p:sp>
+          <p:sp>
+            <p:nvSpPr>
+              <p:cNvPr id="23" name="Freeform 38">
+                <a:extLst>
+                  <a:ext uri="{FF2B5EF4-FFF2-40B4-BE49-F238E27FC236}">
+                    <a16:creationId xmlns:a16="http://schemas.microsoft.com/office/drawing/2014/main" id="{DD99CF64-0E82-4D1A-BD2A-08942182F426}"/>
+                  </a:ext>
+                  <a:ext uri="{C183D7F6-B498-43B3-948B-1728B52AA6E4}">
+                    <adec:decorative xmlns:adec="http://schemas.microsoft.com/office/drawing/2017/decorative" val="1"/>
+                  </a:ext>
+                </a:extLst>
+              </p:cNvPr>
+              <p:cNvSpPr>
+                <a:spLocks noEditPoints="1"/>
+              </p:cNvSpPr>
+              <p:nvPr>
+                <p:extLst>
+                  <p:ext uri="{386F3935-93C4-4BCD-93E2-E3B085C9AB24}">
+                    <p16:designElem xmlns:p16="http://schemas.microsoft.com/office/powerpoint/2015/main" val="1"/>
+                  </p:ext>
+                </p:extLst>
+              </p:nvPr>
+            </p:nvSpPr>
+            <p:spPr bwMode="auto">
+              <a:xfrm rot="5400000">
+                <a:off x="11399044" y="3095360"/>
+                <a:ext cx="188913" cy="188913"/>
+              </a:xfrm>
+              <a:custGeom>
+                <a:avLst/>
+                <a:gdLst/>
+                <a:ahLst/>
+                <a:cxnLst/>
+                <a:rect l="0" t="0" r="r" b="b"/>
+                <a:pathLst>
+                  <a:path w="40" h="40">
+                    <a:moveTo>
+                      <a:pt x="20" y="40"/>
+                    </a:moveTo>
+                    <a:cubicBezTo>
+                      <a:pt x="9" y="40"/>
+                      <a:pt x="0" y="31"/>
+                      <a:pt x="0" y="20"/>
+                    </a:cubicBezTo>
+                    <a:cubicBezTo>
+                      <a:pt x="0" y="9"/>
+                      <a:pt x="9" y="0"/>
+                      <a:pt x="20" y="0"/>
+                    </a:cubicBezTo>
+                    <a:cubicBezTo>
+                      <a:pt x="31" y="0"/>
+                      <a:pt x="40" y="9"/>
+                      <a:pt x="40" y="20"/>
+                    </a:cubicBezTo>
+                    <a:cubicBezTo>
+                      <a:pt x="40" y="31"/>
+                      <a:pt x="31" y="40"/>
+                      <a:pt x="20" y="40"/>
+                    </a:cubicBezTo>
+                    <a:close/>
+                    <a:moveTo>
+                      <a:pt x="20" y="4"/>
+                    </a:moveTo>
+                    <a:cubicBezTo>
+                      <a:pt x="11" y="4"/>
+                      <a:pt x="4" y="11"/>
+                      <a:pt x="4" y="20"/>
+                    </a:cubicBezTo>
+                    <a:cubicBezTo>
+                      <a:pt x="4" y="29"/>
+                      <a:pt x="11" y="36"/>
+                      <a:pt x="20" y="36"/>
+                    </a:cubicBezTo>
+                    <a:cubicBezTo>
+                      <a:pt x="29" y="36"/>
+                      <a:pt x="36" y="29"/>
+                      <a:pt x="36" y="20"/>
+                    </a:cubicBezTo>
+                    <a:cubicBezTo>
+                      <a:pt x="36" y="11"/>
+                      <a:pt x="29" y="4"/>
+                      <a:pt x="20" y="4"/>
+                    </a:cubicBezTo>
+                    <a:close/>
+                  </a:path>
+                </a:pathLst>
+              </a:custGeom>
+              <a:solidFill>
+                <a:schemeClr val="tx2">
+                  <a:alpha val="60000"/>
+                </a:schemeClr>
+              </a:solidFill>
+              <a:ln>
+                <a:noFill/>
+              </a:ln>
+              <a:effectLst>
+                <a:outerShdw blurRad="50800" dist="38100" dir="2700000" algn="tl" rotWithShape="0">
+                  <a:srgbClr val="000000">
+                    <a:alpha val="58000"/>
+                  </a:srgbClr>
+                </a:outerShdw>
+              </a:effectLst>
+            </p:spPr>
+            <p:txBody>
+              <a:bodyPr/>
+              <a:lstStyle/>
+              <a:p>
+                <a:endParaRPr lang="en-US"/>
+              </a:p>
+            </p:txBody>
+          </p:sp>
+          <p:sp>
+            <p:nvSpPr>
+              <p:cNvPr id="24" name="Freeform 39">
+                <a:extLst>
+                  <a:ext uri="{FF2B5EF4-FFF2-40B4-BE49-F238E27FC236}">
+                    <a16:creationId xmlns:a16="http://schemas.microsoft.com/office/drawing/2014/main" id="{98C12D33-1747-4B24-89ED-F441AE4A0C10}"/>
+                  </a:ext>
+                  <a:ext uri="{C183D7F6-B498-43B3-948B-1728B52AA6E4}">
+                    <adec:decorative xmlns:adec="http://schemas.microsoft.com/office/drawing/2017/decorative" val="1"/>
+                  </a:ext>
+                </a:extLst>
+              </p:cNvPr>
+              <p:cNvSpPr/>
+              <p:nvPr>
+                <p:extLst>
+                  <p:ext uri="{386F3935-93C4-4BCD-93E2-E3B085C9AB24}">
+                    <p16:designElem xmlns:p16="http://schemas.microsoft.com/office/powerpoint/2015/main" val="1"/>
+                  </p:ext>
+                </p:extLst>
+              </p:nvPr>
+            </p:nvSpPr>
+            <p:spPr bwMode="auto">
+              <a:xfrm rot="5400000">
+                <a:off x="10353675" y="2153178"/>
+                <a:ext cx="307975" cy="1801813"/>
+              </a:xfrm>
+              <a:custGeom>
+                <a:avLst/>
+                <a:gdLst/>
+                <a:ahLst/>
+                <a:cxnLst/>
+                <a:rect l="0" t="0" r="r" b="b"/>
+                <a:pathLst>
+                  <a:path w="194" h="1135">
+                    <a:moveTo>
+                      <a:pt x="18" y="1135"/>
+                    </a:moveTo>
+                    <a:lnTo>
+                      <a:pt x="0" y="1135"/>
+                    </a:lnTo>
+                    <a:lnTo>
+                      <a:pt x="0" y="354"/>
+                    </a:lnTo>
+                    <a:lnTo>
+                      <a:pt x="176" y="177"/>
+                    </a:lnTo>
+                    <a:lnTo>
+                      <a:pt x="176" y="0"/>
+                    </a:lnTo>
+                    <a:lnTo>
+                      <a:pt x="194" y="0"/>
+                    </a:lnTo>
+                    <a:lnTo>
+                      <a:pt x="194" y="183"/>
+                    </a:lnTo>
+                    <a:lnTo>
+                      <a:pt x="18" y="360"/>
+                    </a:lnTo>
+                    <a:lnTo>
+                      <a:pt x="18" y="1135"/>
+                    </a:lnTo>
+                    <a:close/>
+                  </a:path>
+                </a:pathLst>
+              </a:custGeom>
+              <a:solidFill>
+                <a:schemeClr val="tx2">
+                  <a:alpha val="60000"/>
+                </a:schemeClr>
+              </a:solidFill>
+              <a:ln>
+                <a:noFill/>
+              </a:ln>
+              <a:effectLst>
+                <a:outerShdw blurRad="50800" dist="38100" dir="2700000" algn="tl" rotWithShape="0">
+                  <a:srgbClr val="000000">
+                    <a:alpha val="58000"/>
+                  </a:srgbClr>
+                </a:outerShdw>
+              </a:effectLst>
+            </p:spPr>
+            <p:txBody>
+              <a:bodyPr/>
+              <a:lstStyle/>
+              <a:p>
+                <a:endParaRPr lang="en-US"/>
+              </a:p>
+            </p:txBody>
+          </p:sp>
+          <p:sp>
+            <p:nvSpPr>
+              <p:cNvPr id="25" name="Freeform 40">
+                <a:extLst>
+                  <a:ext uri="{FF2B5EF4-FFF2-40B4-BE49-F238E27FC236}">
+                    <a16:creationId xmlns:a16="http://schemas.microsoft.com/office/drawing/2014/main" id="{A60200CC-BAEC-4310-8C9B-F7BB783E982C}"/>
+                  </a:ext>
+                  <a:ext uri="{C183D7F6-B498-43B3-948B-1728B52AA6E4}">
+                    <adec:decorative xmlns:adec="http://schemas.microsoft.com/office/drawing/2017/decorative" val="1"/>
+                  </a:ext>
+                </a:extLst>
+              </p:cNvPr>
+              <p:cNvSpPr>
+                <a:spLocks noEditPoints="1"/>
+              </p:cNvSpPr>
+              <p:nvPr>
+                <p:extLst>
+                  <p:ext uri="{386F3935-93C4-4BCD-93E2-E3B085C9AB24}">
+                    <p16:designElem xmlns:p16="http://schemas.microsoft.com/office/powerpoint/2015/main" val="1"/>
+                  </p:ext>
+                </p:extLst>
+              </p:nvPr>
+            </p:nvSpPr>
+            <p:spPr bwMode="auto">
+              <a:xfrm rot="5400000">
+                <a:off x="9848850" y="3308878"/>
+                <a:ext cx="190500" cy="188913"/>
+              </a:xfrm>
+              <a:custGeom>
+                <a:avLst/>
+                <a:gdLst/>
+                <a:ahLst/>
+                <a:cxnLst/>
+                <a:rect l="0" t="0" r="r" b="b"/>
+                <a:pathLst>
+                  <a:path w="40" h="40">
+                    <a:moveTo>
+                      <a:pt x="20" y="40"/>
+                    </a:moveTo>
+                    <a:cubicBezTo>
+                      <a:pt x="9" y="40"/>
+                      <a:pt x="0" y="31"/>
+                      <a:pt x="0" y="20"/>
+                    </a:cubicBezTo>
+                    <a:cubicBezTo>
+                      <a:pt x="0" y="9"/>
+                      <a:pt x="9" y="0"/>
+                      <a:pt x="20" y="0"/>
+                    </a:cubicBezTo>
+                    <a:cubicBezTo>
+                      <a:pt x="31" y="0"/>
+                      <a:pt x="40" y="9"/>
+                      <a:pt x="40" y="20"/>
+                    </a:cubicBezTo>
+                    <a:cubicBezTo>
+                      <a:pt x="40" y="31"/>
+                      <a:pt x="31" y="40"/>
+                      <a:pt x="20" y="40"/>
+                    </a:cubicBezTo>
+                    <a:close/>
+                    <a:moveTo>
+                      <a:pt x="20" y="4"/>
+                    </a:moveTo>
+                    <a:cubicBezTo>
+                      <a:pt x="12" y="4"/>
+                      <a:pt x="4" y="11"/>
+                      <a:pt x="4" y="20"/>
+                    </a:cubicBezTo>
+                    <a:cubicBezTo>
+                      <a:pt x="4" y="29"/>
+                      <a:pt x="12" y="36"/>
+                      <a:pt x="20" y="36"/>
+                    </a:cubicBezTo>
+                    <a:cubicBezTo>
+                      <a:pt x="29" y="36"/>
+                      <a:pt x="36" y="29"/>
+                      <a:pt x="36" y="20"/>
+                    </a:cubicBezTo>
+                    <a:cubicBezTo>
+                      <a:pt x="36" y="11"/>
+                      <a:pt x="29" y="4"/>
+                      <a:pt x="20" y="4"/>
+                    </a:cubicBezTo>
+                    <a:close/>
+                  </a:path>
+                </a:pathLst>
+              </a:custGeom>
+              <a:solidFill>
+                <a:schemeClr val="tx2">
+                  <a:alpha val="60000"/>
+                </a:schemeClr>
+              </a:solidFill>
+              <a:ln>
+                <a:noFill/>
+              </a:ln>
+              <a:effectLst>
+                <a:outerShdw blurRad="50800" dist="38100" dir="2700000" algn="tl" rotWithShape="0">
+                  <a:srgbClr val="000000">
+                    <a:alpha val="58000"/>
+                  </a:srgbClr>
+                </a:outerShdw>
+              </a:effectLst>
+            </p:spPr>
+            <p:txBody>
+              <a:bodyPr/>
+              <a:lstStyle/>
+              <a:p>
+                <a:endParaRPr lang="en-US"/>
+              </a:p>
+            </p:txBody>
+          </p:sp>
+          <p:sp>
+            <p:nvSpPr>
+              <p:cNvPr id="26" name="Rectangle 41">
+                <a:extLst>
+                  <a:ext uri="{FF2B5EF4-FFF2-40B4-BE49-F238E27FC236}">
+                    <a16:creationId xmlns:a16="http://schemas.microsoft.com/office/drawing/2014/main" id="{2A7F40BF-B0BE-4B09-87EE-F56632B7EDB1}"/>
+                  </a:ext>
+                  <a:ext uri="{C183D7F6-B498-43B3-948B-1728B52AA6E4}">
+                    <adec:decorative xmlns:adec="http://schemas.microsoft.com/office/drawing/2017/decorative" val="1"/>
+                  </a:ext>
+                </a:extLst>
+              </p:cNvPr>
+              <p:cNvSpPr>
+                <a:spLocks noChangeArrowheads="1"/>
+              </p:cNvSpPr>
+              <p:nvPr>
+                <p:extLst>
+                  <p:ext uri="{386F3935-93C4-4BCD-93E2-E3B085C9AB24}">
+                    <p16:designElem xmlns:p16="http://schemas.microsoft.com/office/powerpoint/2015/main" val="1"/>
+                  </p:ext>
+                </p:extLst>
+              </p:nvPr>
+            </p:nvSpPr>
+            <p:spPr bwMode="auto">
+              <a:xfrm rot="5400000">
+                <a:off x="9721056" y="3284272"/>
+                <a:ext cx="23813" cy="252413"/>
+              </a:xfrm>
+              <a:prstGeom prst="rect">
+                <a:avLst/>
+              </a:prstGeom>
+              <a:solidFill>
+                <a:schemeClr val="tx2">
+                  <a:alpha val="60000"/>
+                </a:schemeClr>
+              </a:solidFill>
+              <a:ln>
+                <a:noFill/>
+              </a:ln>
+              <a:effectLst>
+                <a:outerShdw blurRad="50800" dist="38100" dir="2700000" algn="tl" rotWithShape="0">
+                  <a:srgbClr val="000000">
+                    <a:alpha val="58000"/>
+                  </a:srgbClr>
+                </a:outerShdw>
+              </a:effectLst>
+            </p:spPr>
+            <p:txBody>
+              <a:bodyPr/>
+              <a:lstStyle/>
+              <a:p>
+                <a:endParaRPr lang="en-US"/>
+              </a:p>
+            </p:txBody>
+          </p:sp>
+          <p:sp>
+            <p:nvSpPr>
+              <p:cNvPr id="27" name="Freeform 32">
+                <a:extLst>
+                  <a:ext uri="{FF2B5EF4-FFF2-40B4-BE49-F238E27FC236}">
+                    <a16:creationId xmlns:a16="http://schemas.microsoft.com/office/drawing/2014/main" id="{353978AF-8FB9-4A61-A2EA-1995A14F3956}"/>
+                  </a:ext>
+                  <a:ext uri="{C183D7F6-B498-43B3-948B-1728B52AA6E4}">
+                    <adec:decorative xmlns:adec="http://schemas.microsoft.com/office/drawing/2017/decorative" val="1"/>
+                  </a:ext>
+                </a:extLst>
+              </p:cNvPr>
+              <p:cNvSpPr/>
+              <p:nvPr>
+                <p:extLst>
+                  <p:ext uri="{386F3935-93C4-4BCD-93E2-E3B085C9AB24}">
+                    <p16:designElem xmlns:p16="http://schemas.microsoft.com/office/powerpoint/2015/main" val="1"/>
+                  </p:ext>
+                </p:extLst>
+              </p:nvPr>
+            </p:nvSpPr>
+            <p:spPr bwMode="auto">
+              <a:xfrm rot="16200000" flipH="1" flipV="1">
+                <a:off x="2122751" y="3532184"/>
+                <a:ext cx="417513" cy="512763"/>
+              </a:xfrm>
+              <a:custGeom>
+                <a:avLst/>
+                <a:gdLst/>
+                <a:ahLst/>
+                <a:cxnLst/>
+                <a:rect l="0" t="0" r="r" b="b"/>
+                <a:pathLst>
+                  <a:path w="263" h="323">
+                    <a:moveTo>
+                      <a:pt x="12" y="323"/>
+                    </a:moveTo>
+                    <a:lnTo>
+                      <a:pt x="0" y="314"/>
+                    </a:lnTo>
+                    <a:lnTo>
+                      <a:pt x="203" y="108"/>
+                    </a:lnTo>
+                    <a:lnTo>
+                      <a:pt x="248" y="0"/>
+                    </a:lnTo>
+                    <a:lnTo>
+                      <a:pt x="263" y="6"/>
+                    </a:lnTo>
+                    <a:lnTo>
+                      <a:pt x="218" y="117"/>
+                    </a:lnTo>
+                    <a:lnTo>
+                      <a:pt x="218" y="117"/>
+                    </a:lnTo>
+                    <a:lnTo>
+                      <a:pt x="12" y="323"/>
+                    </a:lnTo>
+                    <a:close/>
+                  </a:path>
+                </a:pathLst>
+              </a:custGeom>
+              <a:solidFill>
+                <a:schemeClr val="tx2">
+                  <a:alpha val="60000"/>
+                </a:schemeClr>
+              </a:solidFill>
+              <a:ln>
+                <a:noFill/>
+              </a:ln>
+              <a:effectLst>
+                <a:outerShdw blurRad="50800" dist="38100" dir="2700000" algn="tl" rotWithShape="0">
+                  <a:srgbClr val="000000">
+                    <a:alpha val="58000"/>
+                  </a:srgbClr>
+                </a:outerShdw>
+              </a:effectLst>
+            </p:spPr>
+            <p:txBody>
+              <a:bodyPr/>
+              <a:lstStyle/>
+              <a:p>
+                <a:endParaRPr lang="en-US"/>
+              </a:p>
+            </p:txBody>
+          </p:sp>
+          <p:sp>
+            <p:nvSpPr>
+              <p:cNvPr id="28" name="Freeform 33">
+                <a:extLst>
+                  <a:ext uri="{FF2B5EF4-FFF2-40B4-BE49-F238E27FC236}">
+                    <a16:creationId xmlns:a16="http://schemas.microsoft.com/office/drawing/2014/main" id="{B20F89C3-4BAD-42AA-8D31-6F6DF17FE934}"/>
+                  </a:ext>
+                  <a:ext uri="{C183D7F6-B498-43B3-948B-1728B52AA6E4}">
+                    <adec:decorative xmlns:adec="http://schemas.microsoft.com/office/drawing/2017/decorative" val="1"/>
+                  </a:ext>
+                </a:extLst>
+              </p:cNvPr>
+              <p:cNvSpPr>
+                <a:spLocks noEditPoints="1"/>
+              </p:cNvSpPr>
+              <p:nvPr>
+                <p:extLst>
+                  <p:ext uri="{386F3935-93C4-4BCD-93E2-E3B085C9AB24}">
+                    <p16:designElem xmlns:p16="http://schemas.microsoft.com/office/powerpoint/2015/main" val="1"/>
+                  </p:ext>
+                </p:extLst>
+              </p:nvPr>
+            </p:nvSpPr>
+            <p:spPr bwMode="auto">
+              <a:xfrm rot="16200000" flipH="1" flipV="1">
+                <a:off x="1958445" y="3463128"/>
+                <a:ext cx="157163" cy="152400"/>
+              </a:xfrm>
+              <a:custGeom>
+                <a:avLst/>
+                <a:gdLst/>
+                <a:ahLst/>
+                <a:cxnLst/>
+                <a:rect l="0" t="0" r="r" b="b"/>
+                <a:pathLst>
+                  <a:path w="33" h="32">
+                    <a:moveTo>
+                      <a:pt x="17" y="32"/>
+                    </a:moveTo>
+                    <a:cubicBezTo>
+                      <a:pt x="13" y="32"/>
+                      <a:pt x="9" y="30"/>
+                      <a:pt x="6" y="27"/>
+                    </a:cubicBezTo>
+                    <a:cubicBezTo>
+                      <a:pt x="0" y="21"/>
+                      <a:pt x="0" y="11"/>
+                      <a:pt x="6" y="5"/>
+                    </a:cubicBezTo>
+                    <a:cubicBezTo>
+                      <a:pt x="9" y="2"/>
+                      <a:pt x="13" y="0"/>
+                      <a:pt x="17" y="0"/>
+                    </a:cubicBezTo>
+                    <a:cubicBezTo>
+                      <a:pt x="21" y="0"/>
+                      <a:pt x="25" y="2"/>
+                      <a:pt x="28" y="5"/>
+                    </a:cubicBezTo>
+                    <a:cubicBezTo>
+                      <a:pt x="31" y="8"/>
+                      <a:pt x="33" y="12"/>
+                      <a:pt x="33" y="16"/>
+                    </a:cubicBezTo>
+                    <a:cubicBezTo>
+                      <a:pt x="33" y="20"/>
+                      <a:pt x="31" y="24"/>
+                      <a:pt x="28" y="27"/>
+                    </a:cubicBezTo>
+                    <a:cubicBezTo>
+                      <a:pt x="25" y="30"/>
+                      <a:pt x="21" y="32"/>
+                      <a:pt x="17" y="32"/>
+                    </a:cubicBezTo>
+                    <a:close/>
+                    <a:moveTo>
+                      <a:pt x="17" y="4"/>
+                    </a:moveTo>
+                    <a:cubicBezTo>
+                      <a:pt x="14" y="4"/>
+                      <a:pt x="11" y="6"/>
+                      <a:pt x="9" y="8"/>
+                    </a:cubicBezTo>
+                    <a:cubicBezTo>
+                      <a:pt x="4" y="12"/>
+                      <a:pt x="4" y="20"/>
+                      <a:pt x="9" y="24"/>
+                    </a:cubicBezTo>
+                    <a:cubicBezTo>
+                      <a:pt x="11" y="27"/>
+                      <a:pt x="14" y="28"/>
+                      <a:pt x="17" y="28"/>
+                    </a:cubicBezTo>
+                    <a:cubicBezTo>
+                      <a:pt x="20" y="28"/>
+                      <a:pt x="23" y="27"/>
+                      <a:pt x="26" y="24"/>
+                    </a:cubicBezTo>
+                    <a:cubicBezTo>
+                      <a:pt x="30" y="20"/>
+                      <a:pt x="30" y="12"/>
+                      <a:pt x="26" y="8"/>
+                    </a:cubicBezTo>
+                    <a:cubicBezTo>
+                      <a:pt x="23" y="6"/>
+                      <a:pt x="20" y="4"/>
+                      <a:pt x="17" y="4"/>
+                    </a:cubicBezTo>
+                    <a:close/>
+                  </a:path>
+                </a:pathLst>
+              </a:custGeom>
+              <a:solidFill>
+                <a:schemeClr val="tx2">
+                  <a:alpha val="60000"/>
+                </a:schemeClr>
+              </a:solidFill>
+              <a:ln>
+                <a:noFill/>
+              </a:ln>
+              <a:effectLst>
+                <a:outerShdw blurRad="50800" dist="38100" dir="2700000" algn="tl" rotWithShape="0">
+                  <a:srgbClr val="000000">
+                    <a:alpha val="58000"/>
+                  </a:srgbClr>
+                </a:outerShdw>
+              </a:effectLst>
+            </p:spPr>
+            <p:txBody>
+              <a:bodyPr/>
+              <a:lstStyle/>
+              <a:p>
+                <a:endParaRPr lang="en-US"/>
+              </a:p>
+            </p:txBody>
+          </p:sp>
+          <p:sp>
+            <p:nvSpPr>
+              <p:cNvPr id="29" name="Freeform 34">
+                <a:extLst>
+                  <a:ext uri="{FF2B5EF4-FFF2-40B4-BE49-F238E27FC236}">
+                    <a16:creationId xmlns:a16="http://schemas.microsoft.com/office/drawing/2014/main" id="{A60FE276-3FF2-4622-BF99-D4E4B249E5B3}"/>
+                  </a:ext>
+                  <a:ext uri="{C183D7F6-B498-43B3-948B-1728B52AA6E4}">
+                    <adec:decorative xmlns:adec="http://schemas.microsoft.com/office/drawing/2017/decorative" val="1"/>
+                  </a:ext>
+                </a:extLst>
+              </p:cNvPr>
+              <p:cNvSpPr>
+                <a:spLocks noEditPoints="1"/>
+              </p:cNvSpPr>
+              <p:nvPr>
+                <p:extLst>
+                  <p:ext uri="{386F3935-93C4-4BCD-93E2-E3B085C9AB24}">
+                    <p16:designElem xmlns:p16="http://schemas.microsoft.com/office/powerpoint/2015/main" val="1"/>
+                  </p:ext>
+                </p:extLst>
+              </p:nvPr>
+            </p:nvSpPr>
+            <p:spPr bwMode="auto">
+              <a:xfrm rot="16200000" flipH="1" flipV="1">
+                <a:off x="858308" y="3726653"/>
+                <a:ext cx="188913" cy="190500"/>
+              </a:xfrm>
+              <a:custGeom>
+                <a:avLst/>
+                <a:gdLst/>
+                <a:ahLst/>
+                <a:cxnLst/>
+                <a:rect l="0" t="0" r="r" b="b"/>
+                <a:pathLst>
+                  <a:path w="40" h="40">
+                    <a:moveTo>
+                      <a:pt x="20" y="40"/>
+                    </a:moveTo>
+                    <a:cubicBezTo>
+                      <a:pt x="9" y="40"/>
+                      <a:pt x="0" y="31"/>
+                      <a:pt x="0" y="20"/>
+                    </a:cubicBezTo>
+                    <a:cubicBezTo>
+                      <a:pt x="0" y="9"/>
+                      <a:pt x="9" y="0"/>
+                      <a:pt x="20" y="0"/>
+                    </a:cubicBezTo>
+                    <a:cubicBezTo>
+                      <a:pt x="31" y="0"/>
+                      <a:pt x="40" y="9"/>
+                      <a:pt x="40" y="20"/>
+                    </a:cubicBezTo>
+                    <a:cubicBezTo>
+                      <a:pt x="40" y="31"/>
+                      <a:pt x="31" y="40"/>
+                      <a:pt x="20" y="40"/>
+                    </a:cubicBezTo>
+                    <a:close/>
+                    <a:moveTo>
+                      <a:pt x="20" y="4"/>
+                    </a:moveTo>
+                    <a:cubicBezTo>
+                      <a:pt x="11" y="4"/>
+                      <a:pt x="4" y="11"/>
+                      <a:pt x="4" y="20"/>
+                    </a:cubicBezTo>
+                    <a:cubicBezTo>
+                      <a:pt x="4" y="29"/>
+                      <a:pt x="11" y="36"/>
+                      <a:pt x="20" y="36"/>
+                    </a:cubicBezTo>
+                    <a:cubicBezTo>
+                      <a:pt x="29" y="36"/>
+                      <a:pt x="36" y="29"/>
+                      <a:pt x="36" y="20"/>
+                    </a:cubicBezTo>
+                    <a:cubicBezTo>
+                      <a:pt x="36" y="11"/>
+                      <a:pt x="29" y="4"/>
+                      <a:pt x="20" y="4"/>
+                    </a:cubicBezTo>
+                    <a:close/>
+                  </a:path>
+                </a:pathLst>
+              </a:custGeom>
+              <a:solidFill>
+                <a:schemeClr val="tx2">
+                  <a:alpha val="60000"/>
+                </a:schemeClr>
+              </a:solidFill>
+              <a:ln>
+                <a:noFill/>
+              </a:ln>
+              <a:effectLst>
+                <a:outerShdw blurRad="50800" dist="38100" dir="2700000" algn="tl" rotWithShape="0">
+                  <a:srgbClr val="000000">
+                    <a:alpha val="58000"/>
+                  </a:srgbClr>
+                </a:outerShdw>
+              </a:effectLst>
+            </p:spPr>
+            <p:txBody>
+              <a:bodyPr/>
+              <a:lstStyle/>
+              <a:p>
+                <a:endParaRPr lang="en-US"/>
+              </a:p>
+            </p:txBody>
+          </p:sp>
+          <p:sp>
+            <p:nvSpPr>
+              <p:cNvPr id="30" name="Freeform 37">
+                <a:extLst>
+                  <a:ext uri="{FF2B5EF4-FFF2-40B4-BE49-F238E27FC236}">
+                    <a16:creationId xmlns:a16="http://schemas.microsoft.com/office/drawing/2014/main" id="{B05A0D3F-808B-48D6-A821-1FE9E86E8CB7}"/>
+                  </a:ext>
+                  <a:ext uri="{C183D7F6-B498-43B3-948B-1728B52AA6E4}">
+                    <adec:decorative xmlns:adec="http://schemas.microsoft.com/office/drawing/2017/decorative" val="1"/>
+                  </a:ext>
+                </a:extLst>
+              </p:cNvPr>
+              <p:cNvSpPr/>
+              <p:nvPr>
+                <p:extLst>
+                  <p:ext uri="{386F3935-93C4-4BCD-93E2-E3B085C9AB24}">
+                    <p16:designElem xmlns:p16="http://schemas.microsoft.com/office/powerpoint/2015/main" val="1"/>
+                  </p:ext>
+                </p:extLst>
+              </p:nvPr>
+            </p:nvSpPr>
+            <p:spPr bwMode="auto">
+              <a:xfrm rot="16200000" flipH="1" flipV="1">
+                <a:off x="1658407" y="3186902"/>
+                <a:ext cx="304800" cy="1544638"/>
+              </a:xfrm>
+              <a:custGeom>
+                <a:avLst/>
+                <a:gdLst/>
+                <a:ahLst/>
+                <a:cxnLst/>
+                <a:rect l="0" t="0" r="r" b="b"/>
+                <a:pathLst>
+                  <a:path w="192" h="973">
+                    <a:moveTo>
+                      <a:pt x="15" y="973"/>
+                    </a:moveTo>
+                    <a:lnTo>
+                      <a:pt x="0" y="973"/>
+                    </a:lnTo>
+                    <a:lnTo>
+                      <a:pt x="0" y="790"/>
+                    </a:lnTo>
+                    <a:lnTo>
+                      <a:pt x="174" y="614"/>
+                    </a:lnTo>
+                    <a:lnTo>
+                      <a:pt x="174" y="0"/>
+                    </a:lnTo>
+                    <a:lnTo>
+                      <a:pt x="192" y="0"/>
+                    </a:lnTo>
+                    <a:lnTo>
+                      <a:pt x="192" y="620"/>
+                    </a:lnTo>
+                    <a:lnTo>
+                      <a:pt x="15" y="796"/>
+                    </a:lnTo>
+                    <a:lnTo>
+                      <a:pt x="15" y="973"/>
+                    </a:lnTo>
+                    <a:close/>
+                  </a:path>
+                </a:pathLst>
+              </a:custGeom>
+              <a:solidFill>
+                <a:schemeClr val="tx2">
+                  <a:alpha val="60000"/>
+                </a:schemeClr>
+              </a:solidFill>
+              <a:ln>
+                <a:noFill/>
+              </a:ln>
+              <a:effectLst>
+                <a:outerShdw blurRad="50800" dist="38100" dir="2700000" algn="tl" rotWithShape="0">
+                  <a:srgbClr val="000000">
+                    <a:alpha val="58000"/>
+                  </a:srgbClr>
+                </a:outerShdw>
+              </a:effectLst>
+            </p:spPr>
+            <p:txBody>
+              <a:bodyPr/>
+              <a:lstStyle/>
+              <a:p>
+                <a:endParaRPr lang="en-US"/>
+              </a:p>
+            </p:txBody>
+          </p:sp>
+          <p:sp>
+            <p:nvSpPr>
+              <p:cNvPr id="31" name="Freeform 35">
+                <a:extLst>
+                  <a:ext uri="{FF2B5EF4-FFF2-40B4-BE49-F238E27FC236}">
+                    <a16:creationId xmlns:a16="http://schemas.microsoft.com/office/drawing/2014/main" id="{69F7D438-BAA0-4DAD-9BC5-198B677A75A7}"/>
+                  </a:ext>
+                  <a:ext uri="{C183D7F6-B498-43B3-948B-1728B52AA6E4}">
+                    <adec:decorative xmlns:adec="http://schemas.microsoft.com/office/drawing/2017/decorative" val="1"/>
+                  </a:ext>
+                </a:extLst>
+              </p:cNvPr>
+              <p:cNvSpPr/>
+              <p:nvPr>
+                <p:extLst>
+                  <p:ext uri="{386F3935-93C4-4BCD-93E2-E3B085C9AB24}">
+                    <p16:designElem xmlns:p16="http://schemas.microsoft.com/office/powerpoint/2015/main" val="1"/>
+                  </p:ext>
+                </p:extLst>
+              </p:nvPr>
+            </p:nvSpPr>
+            <p:spPr bwMode="auto">
+              <a:xfrm rot="16200000" flipH="1">
+                <a:off x="1860814" y="2715153"/>
+                <a:ext cx="298450" cy="1154113"/>
+              </a:xfrm>
+              <a:custGeom>
+                <a:avLst/>
+                <a:gdLst/>
+                <a:ahLst/>
+                <a:cxnLst/>
+                <a:rect l="0" t="0" r="r" b="b"/>
+                <a:pathLst>
+                  <a:path w="188" h="727">
+                    <a:moveTo>
+                      <a:pt x="15" y="727"/>
+                    </a:moveTo>
+                    <a:lnTo>
+                      <a:pt x="0" y="727"/>
+                    </a:lnTo>
+                    <a:lnTo>
+                      <a:pt x="0" y="407"/>
+                    </a:lnTo>
+                    <a:lnTo>
+                      <a:pt x="0" y="407"/>
+                    </a:lnTo>
+                    <a:lnTo>
+                      <a:pt x="176" y="0"/>
+                    </a:lnTo>
+                    <a:lnTo>
+                      <a:pt x="188" y="6"/>
+                    </a:lnTo>
+                    <a:lnTo>
+                      <a:pt x="15" y="410"/>
+                    </a:lnTo>
+                    <a:lnTo>
+                      <a:pt x="15" y="727"/>
+                    </a:lnTo>
+                    <a:close/>
+                  </a:path>
+                </a:pathLst>
+              </a:custGeom>
+              <a:solidFill>
+                <a:schemeClr val="tx2">
+                  <a:alpha val="60000"/>
+                </a:schemeClr>
+              </a:solidFill>
+              <a:ln>
+                <a:noFill/>
+              </a:ln>
+              <a:effectLst>
+                <a:outerShdw blurRad="50800" dist="38100" dir="2700000" algn="tl" rotWithShape="0">
+                  <a:srgbClr val="000000">
+                    <a:alpha val="58000"/>
+                  </a:srgbClr>
+                </a:outerShdw>
+              </a:effectLst>
+            </p:spPr>
+            <p:txBody>
+              <a:bodyPr/>
+              <a:lstStyle/>
+              <a:p>
+                <a:endParaRPr lang="en-US"/>
+              </a:p>
+            </p:txBody>
+          </p:sp>
+          <p:sp>
+            <p:nvSpPr>
+              <p:cNvPr id="32" name="Freeform 36">
+                <a:extLst>
+                  <a:ext uri="{FF2B5EF4-FFF2-40B4-BE49-F238E27FC236}">
+                    <a16:creationId xmlns:a16="http://schemas.microsoft.com/office/drawing/2014/main" id="{EC63B186-43B8-4552-AFDB-A544240A7C54}"/>
+                  </a:ext>
+                  <a:ext uri="{C183D7F6-B498-43B3-948B-1728B52AA6E4}">
+                    <adec:decorative xmlns:adec="http://schemas.microsoft.com/office/drawing/2017/decorative" val="1"/>
+                  </a:ext>
+                </a:extLst>
+              </p:cNvPr>
+              <p:cNvSpPr>
+                <a:spLocks noEditPoints="1"/>
+              </p:cNvSpPr>
+              <p:nvPr>
+                <p:extLst>
+                  <p:ext uri="{386F3935-93C4-4BCD-93E2-E3B085C9AB24}">
+                    <p16:designElem xmlns:p16="http://schemas.microsoft.com/office/powerpoint/2015/main" val="1"/>
+                  </p:ext>
+                </p:extLst>
+              </p:nvPr>
+            </p:nvSpPr>
+            <p:spPr bwMode="auto">
+              <a:xfrm rot="16200000" flipH="1">
+                <a:off x="1289314" y="3385079"/>
+                <a:ext cx="157163" cy="155575"/>
+              </a:xfrm>
+              <a:custGeom>
+                <a:avLst/>
+                <a:gdLst/>
+                <a:ahLst/>
+                <a:cxnLst/>
+                <a:rect l="0" t="0" r="r" b="b"/>
+                <a:pathLst>
+                  <a:path w="33" h="33">
+                    <a:moveTo>
+                      <a:pt x="17" y="33"/>
+                    </a:moveTo>
+                    <a:cubicBezTo>
+                      <a:pt x="8" y="33"/>
+                      <a:pt x="0" y="25"/>
+                      <a:pt x="0" y="16"/>
+                    </a:cubicBezTo>
+                    <a:cubicBezTo>
+                      <a:pt x="0" y="7"/>
+                      <a:pt x="8" y="0"/>
+                      <a:pt x="17" y="0"/>
+                    </a:cubicBezTo>
+                    <a:cubicBezTo>
+                      <a:pt x="26" y="0"/>
+                      <a:pt x="33" y="7"/>
+                      <a:pt x="33" y="16"/>
+                    </a:cubicBezTo>
+                    <a:cubicBezTo>
+                      <a:pt x="33" y="25"/>
+                      <a:pt x="26" y="33"/>
+                      <a:pt x="17" y="33"/>
+                    </a:cubicBezTo>
+                    <a:close/>
+                    <a:moveTo>
+                      <a:pt x="17" y="4"/>
+                    </a:moveTo>
+                    <a:cubicBezTo>
+                      <a:pt x="10" y="4"/>
+                      <a:pt x="4" y="9"/>
+                      <a:pt x="4" y="16"/>
+                    </a:cubicBezTo>
+                    <a:cubicBezTo>
+                      <a:pt x="4" y="23"/>
+                      <a:pt x="10" y="29"/>
+                      <a:pt x="17" y="29"/>
+                    </a:cubicBezTo>
+                    <a:cubicBezTo>
+                      <a:pt x="23" y="29"/>
+                      <a:pt x="29" y="23"/>
+                      <a:pt x="29" y="16"/>
+                    </a:cubicBezTo>
+                    <a:cubicBezTo>
+                      <a:pt x="29" y="9"/>
+                      <a:pt x="23" y="4"/>
+                      <a:pt x="17" y="4"/>
+                    </a:cubicBezTo>
+                    <a:close/>
+                  </a:path>
+                </a:pathLst>
+              </a:custGeom>
+              <a:solidFill>
+                <a:schemeClr val="tx2">
+                  <a:alpha val="60000"/>
+                </a:schemeClr>
+              </a:solidFill>
+              <a:ln>
+                <a:noFill/>
+              </a:ln>
+              <a:effectLst>
+                <a:outerShdw blurRad="50800" dist="38100" dir="2700000" algn="tl" rotWithShape="0">
+                  <a:srgbClr val="000000">
+                    <a:alpha val="58000"/>
+                  </a:srgbClr>
+                </a:outerShdw>
+              </a:effectLst>
+            </p:spPr>
+            <p:txBody>
+              <a:bodyPr/>
+              <a:lstStyle/>
+              <a:p>
+                <a:endParaRPr lang="en-US"/>
+              </a:p>
+            </p:txBody>
+          </p:sp>
+          <p:sp>
+            <p:nvSpPr>
+              <p:cNvPr id="33" name="Freeform 38">
+                <a:extLst>
+                  <a:ext uri="{FF2B5EF4-FFF2-40B4-BE49-F238E27FC236}">
+                    <a16:creationId xmlns:a16="http://schemas.microsoft.com/office/drawing/2014/main" id="{8542E82D-01AD-4BD8-8C5F-A6CDAD039B03}"/>
+                  </a:ext>
+                  <a:ext uri="{C183D7F6-B498-43B3-948B-1728B52AA6E4}">
+                    <adec:decorative xmlns:adec="http://schemas.microsoft.com/office/drawing/2017/decorative" val="1"/>
+                  </a:ext>
+                </a:extLst>
+              </p:cNvPr>
+              <p:cNvSpPr>
+                <a:spLocks noEditPoints="1"/>
+              </p:cNvSpPr>
+              <p:nvPr>
+                <p:extLst>
+                  <p:ext uri="{386F3935-93C4-4BCD-93E2-E3B085C9AB24}">
+                    <p16:designElem xmlns:p16="http://schemas.microsoft.com/office/powerpoint/2015/main" val="1"/>
+                  </p:ext>
+                </p:extLst>
+              </p:nvPr>
+            </p:nvSpPr>
+            <p:spPr bwMode="auto">
+              <a:xfrm rot="16200000" flipH="1">
+                <a:off x="605895" y="3247760"/>
+                <a:ext cx="188913" cy="188913"/>
+              </a:xfrm>
+              <a:custGeom>
+                <a:avLst/>
+                <a:gdLst/>
+                <a:ahLst/>
+                <a:cxnLst/>
+                <a:rect l="0" t="0" r="r" b="b"/>
+                <a:pathLst>
+                  <a:path w="40" h="40">
+                    <a:moveTo>
+                      <a:pt x="20" y="40"/>
+                    </a:moveTo>
+                    <a:cubicBezTo>
+                      <a:pt x="9" y="40"/>
+                      <a:pt x="0" y="31"/>
+                      <a:pt x="0" y="20"/>
+                    </a:cubicBezTo>
+                    <a:cubicBezTo>
+                      <a:pt x="0" y="9"/>
+                      <a:pt x="9" y="0"/>
+                      <a:pt x="20" y="0"/>
+                    </a:cubicBezTo>
+                    <a:cubicBezTo>
+                      <a:pt x="31" y="0"/>
+                      <a:pt x="40" y="9"/>
+                      <a:pt x="40" y="20"/>
+                    </a:cubicBezTo>
+                    <a:cubicBezTo>
+                      <a:pt x="40" y="31"/>
+                      <a:pt x="31" y="40"/>
+                      <a:pt x="20" y="40"/>
+                    </a:cubicBezTo>
+                    <a:close/>
+                    <a:moveTo>
+                      <a:pt x="20" y="4"/>
+                    </a:moveTo>
+                    <a:cubicBezTo>
+                      <a:pt x="11" y="4"/>
+                      <a:pt x="4" y="11"/>
+                      <a:pt x="4" y="20"/>
+                    </a:cubicBezTo>
+                    <a:cubicBezTo>
+                      <a:pt x="4" y="29"/>
+                      <a:pt x="11" y="36"/>
+                      <a:pt x="20" y="36"/>
+                    </a:cubicBezTo>
+                    <a:cubicBezTo>
+                      <a:pt x="29" y="36"/>
+                      <a:pt x="36" y="29"/>
+                      <a:pt x="36" y="20"/>
+                    </a:cubicBezTo>
+                    <a:cubicBezTo>
+                      <a:pt x="36" y="11"/>
+                      <a:pt x="29" y="4"/>
+                      <a:pt x="20" y="4"/>
+                    </a:cubicBezTo>
+                    <a:close/>
+                  </a:path>
+                </a:pathLst>
+              </a:custGeom>
+              <a:solidFill>
+                <a:schemeClr val="tx2">
+                  <a:alpha val="60000"/>
+                </a:schemeClr>
+              </a:solidFill>
+              <a:ln>
+                <a:noFill/>
+              </a:ln>
+              <a:effectLst>
+                <a:outerShdw blurRad="50800" dist="38100" dir="2700000" algn="tl" rotWithShape="0">
+                  <a:srgbClr val="000000">
+                    <a:alpha val="58000"/>
+                  </a:srgbClr>
+                </a:outerShdw>
+              </a:effectLst>
+            </p:spPr>
+            <p:txBody>
+              <a:bodyPr/>
+              <a:lstStyle/>
+              <a:p>
+                <a:endParaRPr lang="en-US"/>
+              </a:p>
+            </p:txBody>
+          </p:sp>
+          <p:sp>
+            <p:nvSpPr>
+              <p:cNvPr id="34" name="Freeform 39">
+                <a:extLst>
+                  <a:ext uri="{FF2B5EF4-FFF2-40B4-BE49-F238E27FC236}">
+                    <a16:creationId xmlns:a16="http://schemas.microsoft.com/office/drawing/2014/main" id="{6285CF32-2BD3-47D0-9A6C-3EE7FD639713}"/>
+                  </a:ext>
+                  <a:ext uri="{C183D7F6-B498-43B3-948B-1728B52AA6E4}">
+                    <adec:decorative xmlns:adec="http://schemas.microsoft.com/office/drawing/2017/decorative" val="1"/>
+                  </a:ext>
+                </a:extLst>
+              </p:cNvPr>
+              <p:cNvSpPr/>
+              <p:nvPr>
+                <p:extLst>
+                  <p:ext uri="{386F3935-93C4-4BCD-93E2-E3B085C9AB24}">
+                    <p16:designElem xmlns:p16="http://schemas.microsoft.com/office/powerpoint/2015/main" val="1"/>
+                  </p:ext>
+                </p:extLst>
+              </p:nvPr>
+            </p:nvSpPr>
+            <p:spPr bwMode="auto">
+              <a:xfrm rot="16200000" flipH="1">
+                <a:off x="1532202" y="2305578"/>
+                <a:ext cx="307975" cy="1801813"/>
+              </a:xfrm>
+              <a:custGeom>
+                <a:avLst/>
+                <a:gdLst/>
+                <a:ahLst/>
+                <a:cxnLst/>
+                <a:rect l="0" t="0" r="r" b="b"/>
+                <a:pathLst>
+                  <a:path w="194" h="1135">
+                    <a:moveTo>
+                      <a:pt x="18" y="1135"/>
+                    </a:moveTo>
+                    <a:lnTo>
+                      <a:pt x="0" y="1135"/>
+                    </a:lnTo>
+                    <a:lnTo>
+                      <a:pt x="0" y="354"/>
+                    </a:lnTo>
+                    <a:lnTo>
+                      <a:pt x="176" y="177"/>
+                    </a:lnTo>
+                    <a:lnTo>
+                      <a:pt x="176" y="0"/>
+                    </a:lnTo>
+                    <a:lnTo>
+                      <a:pt x="194" y="0"/>
+                    </a:lnTo>
+                    <a:lnTo>
+                      <a:pt x="194" y="183"/>
+                    </a:lnTo>
+                    <a:lnTo>
+                      <a:pt x="18" y="360"/>
+                    </a:lnTo>
+                    <a:lnTo>
+                      <a:pt x="18" y="1135"/>
+                    </a:lnTo>
+                    <a:close/>
+                  </a:path>
+                </a:pathLst>
+              </a:custGeom>
+              <a:solidFill>
+                <a:schemeClr val="tx2">
+                  <a:alpha val="60000"/>
+                </a:schemeClr>
+              </a:solidFill>
+              <a:ln>
+                <a:noFill/>
+              </a:ln>
+              <a:effectLst>
+                <a:outerShdw blurRad="50800" dist="38100" dir="2700000" algn="tl" rotWithShape="0">
+                  <a:srgbClr val="000000">
+                    <a:alpha val="58000"/>
+                  </a:srgbClr>
+                </a:outerShdw>
+              </a:effectLst>
+            </p:spPr>
+            <p:txBody>
+              <a:bodyPr/>
+              <a:lstStyle/>
+              <a:p>
+                <a:endParaRPr lang="en-US"/>
+              </a:p>
+            </p:txBody>
+          </p:sp>
+          <p:sp>
+            <p:nvSpPr>
+              <p:cNvPr id="35" name="Freeform 40">
+                <a:extLst>
+                  <a:ext uri="{FF2B5EF4-FFF2-40B4-BE49-F238E27FC236}">
+                    <a16:creationId xmlns:a16="http://schemas.microsoft.com/office/drawing/2014/main" id="{FA36D129-7B33-4379-B9EE-5624B9576699}"/>
+                  </a:ext>
+                  <a:ext uri="{C183D7F6-B498-43B3-948B-1728B52AA6E4}">
+                    <adec:decorative xmlns:adec="http://schemas.microsoft.com/office/drawing/2017/decorative" val="1"/>
+                  </a:ext>
+                </a:extLst>
+              </p:cNvPr>
+              <p:cNvSpPr>
+                <a:spLocks noEditPoints="1"/>
+              </p:cNvSpPr>
+              <p:nvPr>
+                <p:extLst>
+                  <p:ext uri="{386F3935-93C4-4BCD-93E2-E3B085C9AB24}">
+                    <p16:designElem xmlns:p16="http://schemas.microsoft.com/office/powerpoint/2015/main" val="1"/>
+                  </p:ext>
+                </p:extLst>
+              </p:nvPr>
+            </p:nvSpPr>
+            <p:spPr bwMode="auto">
+              <a:xfrm rot="16200000" flipH="1">
+                <a:off x="2154501" y="3461278"/>
+                <a:ext cx="190500" cy="188913"/>
+              </a:xfrm>
+              <a:custGeom>
+                <a:avLst/>
+                <a:gdLst/>
+                <a:ahLst/>
+                <a:cxnLst/>
+                <a:rect l="0" t="0" r="r" b="b"/>
+                <a:pathLst>
+                  <a:path w="40" h="40">
+                    <a:moveTo>
+                      <a:pt x="20" y="40"/>
+                    </a:moveTo>
+                    <a:cubicBezTo>
+                      <a:pt x="9" y="40"/>
+                      <a:pt x="0" y="31"/>
+                      <a:pt x="0" y="20"/>
+                    </a:cubicBezTo>
+                    <a:cubicBezTo>
+                      <a:pt x="0" y="9"/>
+                      <a:pt x="9" y="0"/>
+                      <a:pt x="20" y="0"/>
+                    </a:cubicBezTo>
+                    <a:cubicBezTo>
+                      <a:pt x="31" y="0"/>
+                      <a:pt x="40" y="9"/>
+                      <a:pt x="40" y="20"/>
+                    </a:cubicBezTo>
+                    <a:cubicBezTo>
+                      <a:pt x="40" y="31"/>
+                      <a:pt x="31" y="40"/>
+                      <a:pt x="20" y="40"/>
+                    </a:cubicBezTo>
+                    <a:close/>
+                    <a:moveTo>
+                      <a:pt x="20" y="4"/>
+                    </a:moveTo>
+                    <a:cubicBezTo>
+                      <a:pt x="12" y="4"/>
+                      <a:pt x="4" y="11"/>
+                      <a:pt x="4" y="20"/>
+                    </a:cubicBezTo>
+                    <a:cubicBezTo>
+                      <a:pt x="4" y="29"/>
+                      <a:pt x="12" y="36"/>
+                      <a:pt x="20" y="36"/>
+                    </a:cubicBezTo>
+                    <a:cubicBezTo>
+                      <a:pt x="29" y="36"/>
+                      <a:pt x="36" y="29"/>
+                      <a:pt x="36" y="20"/>
+                    </a:cubicBezTo>
+                    <a:cubicBezTo>
+                      <a:pt x="36" y="11"/>
+                      <a:pt x="29" y="4"/>
+                      <a:pt x="20" y="4"/>
+                    </a:cubicBezTo>
+                    <a:close/>
+                  </a:path>
+                </a:pathLst>
+              </a:custGeom>
+              <a:solidFill>
+                <a:schemeClr val="tx2">
+                  <a:alpha val="60000"/>
+                </a:schemeClr>
+              </a:solidFill>
+              <a:ln>
+                <a:noFill/>
+              </a:ln>
+              <a:effectLst>
+                <a:outerShdw blurRad="50800" dist="38100" dir="2700000" algn="tl" rotWithShape="0">
+                  <a:srgbClr val="000000">
+                    <a:alpha val="58000"/>
+                  </a:srgbClr>
+                </a:outerShdw>
+              </a:effectLst>
+            </p:spPr>
+            <p:txBody>
+              <a:bodyPr/>
+              <a:lstStyle/>
+              <a:p>
+                <a:endParaRPr lang="en-US"/>
+              </a:p>
+            </p:txBody>
+          </p:sp>
+          <p:sp>
+            <p:nvSpPr>
+              <p:cNvPr id="36" name="Rectangle 41">
+                <a:extLst>
+                  <a:ext uri="{FF2B5EF4-FFF2-40B4-BE49-F238E27FC236}">
+                    <a16:creationId xmlns:a16="http://schemas.microsoft.com/office/drawing/2014/main" id="{0229A187-4E69-4262-B001-C5F0B55225F9}"/>
+                  </a:ext>
+                  <a:ext uri="{C183D7F6-B498-43B3-948B-1728B52AA6E4}">
+                    <adec:decorative xmlns:adec="http://schemas.microsoft.com/office/drawing/2017/decorative" val="1"/>
+                  </a:ext>
+                </a:extLst>
+              </p:cNvPr>
+              <p:cNvSpPr>
+                <a:spLocks noChangeArrowheads="1"/>
+              </p:cNvSpPr>
+              <p:nvPr>
+                <p:extLst>
+                  <p:ext uri="{386F3935-93C4-4BCD-93E2-E3B085C9AB24}">
+                    <p16:designElem xmlns:p16="http://schemas.microsoft.com/office/powerpoint/2015/main" val="1"/>
+                  </p:ext>
+                </p:extLst>
+              </p:nvPr>
+            </p:nvSpPr>
+            <p:spPr bwMode="auto">
+              <a:xfrm rot="16200000" flipH="1">
+                <a:off x="2448983" y="3436672"/>
+                <a:ext cx="23813" cy="252413"/>
+              </a:xfrm>
+              <a:prstGeom prst="rect">
+                <a:avLst/>
+              </a:prstGeom>
+              <a:solidFill>
+                <a:schemeClr val="tx2">
+                  <a:alpha val="60000"/>
+                </a:schemeClr>
+              </a:solidFill>
+              <a:ln>
+                <a:noFill/>
+              </a:ln>
+              <a:effectLst>
+                <a:outerShdw blurRad="50800" dist="38100" dir="2700000" algn="tl" rotWithShape="0">
+                  <a:srgbClr val="000000">
+                    <a:alpha val="58000"/>
+                  </a:srgbClr>
+                </a:outerShdw>
+              </a:effectLst>
+            </p:spPr>
+            <p:txBody>
+              <a:bodyPr/>
+              <a:lstStyle/>
+              <a:p>
+                <a:endParaRPr lang="en-US"/>
+              </a:p>
+            </p:txBody>
+          </p:sp>
+        </p:grpSp>
+      </p:grpSp>
       <p:sp>
         <p:nvSpPr>
           <p:cNvPr id="2" name="Title 1">
@@ -12470,8 +14778,8 @@
         </p:nvSpPr>
         <p:spPr>
           <a:xfrm>
-            <a:off x="1876424" y="2631439"/>
-            <a:ext cx="8791575" cy="878523"/>
+            <a:off x="2667000" y="2328334"/>
+            <a:ext cx="6858000" cy="1367896"/>
           </a:xfrm>
         </p:spPr>
         <p:txBody>
@@ -12482,14 +14790,14 @@
           <a:p>
             <a:pPr algn="ctr"/>
             <a:r>
-              <a:rPr lang="en-US" sz="5400" b="1" dirty="0">
+              <a:rPr lang="en-US" b="1">
                 <a:latin typeface="Calibri" panose="020F0502020204030204" pitchFamily="34" charset="0"/>
                 <a:ea typeface="Calibri" panose="020F0502020204030204" pitchFamily="34" charset="0"/>
                 <a:cs typeface="Calibri" panose="020F0502020204030204" pitchFamily="34" charset="0"/>
               </a:rPr>
               <a:t>PIZZA SALES REPORT</a:t>
             </a:r>
-            <a:endParaRPr lang="en-IN" sz="5400" b="1" dirty="0">
+            <a:endParaRPr lang="en-IN" b="1">
               <a:latin typeface="Calibri" panose="020F0502020204030204" pitchFamily="34" charset="0"/>
               <a:ea typeface="Calibri" panose="020F0502020204030204" pitchFamily="34" charset="0"/>
               <a:cs typeface="Calibri" panose="020F0502020204030204" pitchFamily="34" charset="0"/>
@@ -12515,8 +14823,8 @@
         </p:nvSpPr>
         <p:spPr>
           <a:xfrm>
-            <a:off x="2514601" y="3602038"/>
-            <a:ext cx="7162799" cy="685482"/>
+            <a:off x="2667001" y="3602038"/>
+            <a:ext cx="6857999" cy="953029"/>
           </a:xfrm>
         </p:spPr>
         <p:txBody>
@@ -12527,23 +14835,15 @@
           <a:p>
             <a:pPr algn="ctr"/>
             <a:r>
-              <a:rPr lang="en-US" sz="2400" dirty="0">
+              <a:rPr lang="en-US">
                 <a:latin typeface="Calibri" panose="020F0502020204030204" pitchFamily="34" charset="0"/>
                 <a:ea typeface="Calibri" panose="020F0502020204030204" pitchFamily="34" charset="0"/>
                 <a:cs typeface="Calibri" panose="020F0502020204030204" pitchFamily="34" charset="0"/>
               </a:rPr>
-              <a:t>SQL</a:t>
+              <a:t>SQL </a:t>
             </a:r>
             <a:r>
-              <a:rPr lang="en-US" sz="3200" dirty="0">
-                <a:latin typeface="Calibri" panose="020F0502020204030204" pitchFamily="34" charset="0"/>
-                <a:ea typeface="Calibri" panose="020F0502020204030204" pitchFamily="34" charset="0"/>
-                <a:cs typeface="Calibri" panose="020F0502020204030204" pitchFamily="34" charset="0"/>
-              </a:rPr>
-              <a:t> </a:t>
-            </a:r>
-            <a:r>
-              <a:rPr lang="en-IN" sz="2400" dirty="0">
+              <a:rPr lang="en-IN">
                 <a:latin typeface="Calibri" panose="020F0502020204030204" pitchFamily="34" charset="0"/>
                 <a:ea typeface="Calibri" panose="020F0502020204030204" pitchFamily="34" charset="0"/>
                 <a:cs typeface="Calibri" panose="020F0502020204030204" pitchFamily="34" charset="0"/>
@@ -12553,7 +14853,7 @@
           </a:p>
           <a:p>
             <a:pPr algn="ctr"/>
-            <a:endParaRPr lang="en-IN" sz="3200" dirty="0">
+            <a:endParaRPr lang="en-IN">
               <a:latin typeface="Calibri" panose="020F0502020204030204" pitchFamily="34" charset="0"/>
               <a:ea typeface="Calibri" panose="020F0502020204030204" pitchFamily="34" charset="0"/>
               <a:cs typeface="Calibri" panose="020F0502020204030204" pitchFamily="34" charset="0"/>
@@ -12571,6 +14871,145 @@
   <p:clrMapOvr>
     <a:masterClrMapping/>
   </p:clrMapOvr>
+  <p:timing>
+    <p:tnLst>
+      <p:par>
+        <p:cTn id="1" dur="indefinite" restart="never" nodeType="tmRoot">
+          <p:childTnLst>
+            <p:seq concurrent="1" nextAc="seek">
+              <p:cTn id="2" dur="indefinite" nodeType="mainSeq">
+                <p:childTnLst>
+                  <p:par>
+                    <p:cTn id="3" fill="hold">
+                      <p:stCondLst>
+                        <p:cond delay="indefinite"/>
+                        <p:cond evt="onBegin" delay="0">
+                          <p:tn val="2"/>
+                        </p:cond>
+                      </p:stCondLst>
+                      <p:childTnLst>
+                        <p:par>
+                          <p:cTn id="4" fill="hold">
+                            <p:stCondLst>
+                              <p:cond delay="0"/>
+                            </p:stCondLst>
+                            <p:childTnLst>
+                              <p:par>
+                                <p:cTn id="5" presetID="10" presetClass="entr" presetSubtype="0" fill="hold" grpId="0" nodeType="withEffect">
+                                  <p:stCondLst>
+                                    <p:cond delay="1000"/>
+                                  </p:stCondLst>
+                                  <p:iterate>
+                                    <p:tmPct val="10000"/>
+                                  </p:iterate>
+                                  <p:childTnLst>
+                                    <p:set>
+                                      <p:cBhvr>
+                                        <p:cTn id="6" dur="1" fill="hold">
+                                          <p:stCondLst>
+                                            <p:cond delay="0"/>
+                                          </p:stCondLst>
+                                        </p:cTn>
+                                        <p:tgtEl>
+                                          <p:spTgt spid="2"/>
+                                        </p:tgtEl>
+                                        <p:attrNameLst>
+                                          <p:attrName>style.visibility</p:attrName>
+                                        </p:attrNameLst>
+                                      </p:cBhvr>
+                                      <p:to>
+                                        <p:strVal val="visible"/>
+                                      </p:to>
+                                    </p:set>
+                                    <p:animEffect transition="in" filter="fade">
+                                      <p:cBhvr>
+                                        <p:cTn id="7" dur="700"/>
+                                        <p:tgtEl>
+                                          <p:spTgt spid="2"/>
+                                        </p:tgtEl>
+                                      </p:cBhvr>
+                                    </p:animEffect>
+                                  </p:childTnLst>
+                                </p:cTn>
+                              </p:par>
+                              <p:par>
+                                <p:cTn id="8" presetID="10" presetClass="entr" presetSubtype="0" fill="hold" grpId="0" nodeType="withEffect">
+                                  <p:stCondLst>
+                                    <p:cond delay="1500"/>
+                                  </p:stCondLst>
+                                  <p:iterate>
+                                    <p:tmPct val="10000"/>
+                                  </p:iterate>
+                                  <p:childTnLst>
+                                    <p:set>
+                                      <p:cBhvr>
+                                        <p:cTn id="9" dur="1" fill="hold">
+                                          <p:stCondLst>
+                                            <p:cond delay="0"/>
+                                          </p:stCondLst>
+                                        </p:cTn>
+                                        <p:tgtEl>
+                                          <p:spTgt spid="3">
+                                            <p:txEl>
+                                              <p:pRg st="0" end="0"/>
+                                            </p:txEl>
+                                          </p:spTgt>
+                                        </p:tgtEl>
+                                        <p:attrNameLst>
+                                          <p:attrName>style.visibility</p:attrName>
+                                        </p:attrNameLst>
+                                      </p:cBhvr>
+                                      <p:to>
+                                        <p:strVal val="visible"/>
+                                      </p:to>
+                                    </p:set>
+                                    <p:animEffect transition="in" filter="fade">
+                                      <p:cBhvr>
+                                        <p:cTn id="10" dur="700"/>
+                                        <p:tgtEl>
+                                          <p:spTgt spid="3">
+                                            <p:txEl>
+                                              <p:pRg st="0" end="0"/>
+                                            </p:txEl>
+                                          </p:spTgt>
+                                        </p:tgtEl>
+                                      </p:cBhvr>
+                                    </p:animEffect>
+                                  </p:childTnLst>
+                                </p:cTn>
+                              </p:par>
+                            </p:childTnLst>
+                          </p:cTn>
+                        </p:par>
+                      </p:childTnLst>
+                    </p:cTn>
+                  </p:par>
+                </p:childTnLst>
+              </p:cTn>
+              <p:prevCondLst>
+                <p:cond evt="onPrev" delay="0">
+                  <p:tgtEl>
+                    <p:sldTgt/>
+                  </p:tgtEl>
+                </p:cond>
+              </p:prevCondLst>
+              <p:nextCondLst>
+                <p:cond evt="onNext" delay="0">
+                  <p:tgtEl>
+                    <p:sldTgt/>
+                  </p:tgtEl>
+                </p:cond>
+              </p:nextCondLst>
+            </p:seq>
+          </p:childTnLst>
+        </p:cTn>
+      </p:par>
+    </p:tnLst>
+    <p:bldLst>
+      <p:bldP spid="2" grpId="0"/>
+      <p:bldP spid="3" grpId="0" build="p"/>
+    </p:bldLst>
+  </p:timing>
 </p:sld>
 </file>
 
@@ -12612,6 +15051,16 @@
             <a:off x="1141413" y="0"/>
             <a:ext cx="9906000" cy="755968"/>
           </a:xfrm>
+          <a:solidFill>
+            <a:schemeClr val="bg1"/>
+          </a:solidFill>
+          <a:ln>
+            <a:solidFill>
+              <a:schemeClr val="tx2">
+                <a:lumMod val="75000"/>
+              </a:schemeClr>
+            </a:solidFill>
+          </a:ln>
         </p:spPr>
         <p:txBody>
           <a:bodyPr>
@@ -12629,9 +15078,6 @@
             </a:pPr>
             <a:r>
               <a:rPr lang="en-US" sz="3200" b="1" kern="100" dirty="0">
-                <a:solidFill>
-                  <a:schemeClr val="bg1"/>
-                </a:solidFill>
                 <a:effectLst/>
                 <a:latin typeface="Calibri" panose="020F0502020204030204" pitchFamily="34" charset="0"/>
                 <a:cs typeface="Times New Roman" panose="02020603050405020304" pitchFamily="18" charset="0"/>
@@ -12639,9 +15085,6 @@
               <a:t>E. % of Sales by Pizza Size</a:t>
             </a:r>
             <a:endParaRPr lang="en-US" sz="3200" kern="100" dirty="0">
-              <a:solidFill>
-                <a:schemeClr val="bg1"/>
-              </a:solidFill>
               <a:effectLst/>
               <a:latin typeface="Calibri" panose="020F0502020204030204" pitchFamily="34" charset="0"/>
               <a:cs typeface="Times New Roman" panose="02020603050405020304" pitchFamily="18" charset="0"/>
@@ -12770,6 +15213,16 @@
             <a:off x="1141413" y="0"/>
             <a:ext cx="9906000" cy="755968"/>
           </a:xfrm>
+          <a:solidFill>
+            <a:schemeClr val="bg1"/>
+          </a:solidFill>
+          <a:ln>
+            <a:solidFill>
+              <a:schemeClr val="tx2">
+                <a:lumMod val="75000"/>
+              </a:schemeClr>
+            </a:solidFill>
+          </a:ln>
         </p:spPr>
         <p:txBody>
           <a:bodyPr>
@@ -12787,9 +15240,6 @@
             </a:pPr>
             <a:r>
               <a:rPr lang="en-US" b="1" kern="100" dirty="0">
-                <a:solidFill>
-                  <a:schemeClr val="bg1"/>
-                </a:solidFill>
                 <a:effectLst/>
                 <a:latin typeface="Calibri" panose="020F0502020204030204" pitchFamily="34" charset="0"/>
                 <a:cs typeface="Times New Roman" panose="02020603050405020304" pitchFamily="18" charset="0"/>
@@ -12797,9 +15247,6 @@
               <a:t>F. Total Pizzas Sold by Pizza Category</a:t>
             </a:r>
             <a:endParaRPr lang="en-US" kern="100" dirty="0">
-              <a:solidFill>
-                <a:schemeClr val="bg1"/>
-              </a:solidFill>
               <a:effectLst/>
               <a:latin typeface="Calibri" panose="020F0502020204030204" pitchFamily="34" charset="0"/>
               <a:cs typeface="Times New Roman" panose="02020603050405020304" pitchFamily="18" charset="0"/>
@@ -12893,6 +15340,16 @@
             <a:off x="1141413" y="0"/>
             <a:ext cx="9906000" cy="755968"/>
           </a:xfrm>
+          <a:solidFill>
+            <a:schemeClr val="bg1"/>
+          </a:solidFill>
+          <a:ln>
+            <a:solidFill>
+              <a:schemeClr val="tx2">
+                <a:lumMod val="75000"/>
+              </a:schemeClr>
+            </a:solidFill>
+          </a:ln>
         </p:spPr>
         <p:txBody>
           <a:bodyPr>
@@ -12910,9 +15367,6 @@
             </a:pPr>
             <a:r>
               <a:rPr lang="en-US" sz="3200" b="1" kern="100" dirty="0">
-                <a:solidFill>
-                  <a:schemeClr val="bg1"/>
-                </a:solidFill>
                 <a:effectLst/>
                 <a:latin typeface="Calibri" panose="020F0502020204030204" pitchFamily="34" charset="0"/>
                 <a:cs typeface="Times New Roman" panose="02020603050405020304" pitchFamily="18" charset="0"/>
@@ -12920,9 +15374,6 @@
               <a:t>G. Top 5 Pizzas by Revenue</a:t>
             </a:r>
             <a:endParaRPr lang="en-US" sz="3200" kern="100" dirty="0">
-              <a:solidFill>
-                <a:schemeClr val="bg1"/>
-              </a:solidFill>
               <a:effectLst/>
               <a:latin typeface="Calibri" panose="020F0502020204030204" pitchFamily="34" charset="0"/>
               <a:cs typeface="Times New Roman" panose="02020603050405020304" pitchFamily="18" charset="0"/>
@@ -13016,6 +15467,16 @@
             <a:off x="1141413" y="0"/>
             <a:ext cx="9906000" cy="755968"/>
           </a:xfrm>
+          <a:solidFill>
+            <a:schemeClr val="bg1"/>
+          </a:solidFill>
+          <a:ln>
+            <a:solidFill>
+              <a:schemeClr val="tx2">
+                <a:lumMod val="75000"/>
+              </a:schemeClr>
+            </a:solidFill>
+          </a:ln>
         </p:spPr>
         <p:txBody>
           <a:bodyPr>
@@ -13033,9 +15494,6 @@
             </a:pPr>
             <a:r>
               <a:rPr lang="en-US" sz="3200" b="1" kern="100" dirty="0">
-                <a:solidFill>
-                  <a:schemeClr val="bg1"/>
-                </a:solidFill>
                 <a:effectLst/>
                 <a:latin typeface="Calibri" panose="020F0502020204030204" pitchFamily="34" charset="0"/>
                 <a:cs typeface="Times New Roman" panose="02020603050405020304" pitchFamily="18" charset="0"/>
@@ -13043,9 +15501,6 @@
               <a:t>H. Bottom 5 Pizzas by Revenue</a:t>
             </a:r>
             <a:endParaRPr lang="en-US" sz="3200" kern="100" dirty="0">
-              <a:solidFill>
-                <a:schemeClr val="bg1"/>
-              </a:solidFill>
               <a:effectLst/>
               <a:latin typeface="Calibri" panose="020F0502020204030204" pitchFamily="34" charset="0"/>
               <a:cs typeface="Times New Roman" panose="02020603050405020304" pitchFamily="18" charset="0"/>
@@ -13139,6 +15594,16 @@
             <a:off x="1141413" y="0"/>
             <a:ext cx="9906000" cy="755968"/>
           </a:xfrm>
+          <a:solidFill>
+            <a:schemeClr val="bg1"/>
+          </a:solidFill>
+          <a:ln>
+            <a:solidFill>
+              <a:schemeClr val="tx2">
+                <a:lumMod val="75000"/>
+              </a:schemeClr>
+            </a:solidFill>
+          </a:ln>
         </p:spPr>
         <p:txBody>
           <a:bodyPr>
@@ -13156,9 +15621,6 @@
             </a:pPr>
             <a:r>
               <a:rPr lang="en-US" sz="3200" b="1" kern="100" dirty="0">
-                <a:solidFill>
-                  <a:schemeClr val="bg1"/>
-                </a:solidFill>
                 <a:effectLst/>
                 <a:latin typeface="Calibri" panose="020F0502020204030204" pitchFamily="34" charset="0"/>
                 <a:cs typeface="Times New Roman" panose="02020603050405020304" pitchFamily="18" charset="0"/>
@@ -13166,9 +15628,6 @@
               <a:t>I. Top 5 Pizzas by Quantity</a:t>
             </a:r>
             <a:endParaRPr lang="en-US" sz="3200" kern="100" dirty="0">
-              <a:solidFill>
-                <a:schemeClr val="bg1"/>
-              </a:solidFill>
               <a:effectLst/>
               <a:latin typeface="Calibri" panose="020F0502020204030204" pitchFamily="34" charset="0"/>
               <a:cs typeface="Times New Roman" panose="02020603050405020304" pitchFamily="18" charset="0"/>
@@ -13262,6 +15721,16 @@
             <a:off x="1141413" y="0"/>
             <a:ext cx="9906000" cy="755968"/>
           </a:xfrm>
+          <a:solidFill>
+            <a:schemeClr val="bg1"/>
+          </a:solidFill>
+          <a:ln>
+            <a:solidFill>
+              <a:schemeClr val="tx2">
+                <a:lumMod val="75000"/>
+              </a:schemeClr>
+            </a:solidFill>
+          </a:ln>
         </p:spPr>
         <p:txBody>
           <a:bodyPr>
@@ -13279,9 +15748,6 @@
             </a:pPr>
             <a:r>
               <a:rPr lang="en-US" sz="3200" b="1" kern="100" dirty="0">
-                <a:solidFill>
-                  <a:schemeClr val="bg1"/>
-                </a:solidFill>
                 <a:effectLst/>
                 <a:latin typeface="Calibri" panose="020F0502020204030204" pitchFamily="34" charset="0"/>
                 <a:cs typeface="Times New Roman" panose="02020603050405020304" pitchFamily="18" charset="0"/>
@@ -13289,9 +15755,6 @@
               <a:t>J. Bottom 5 Pizzas by Quantity</a:t>
             </a:r>
             <a:endParaRPr lang="en-US" sz="3200" kern="100" dirty="0">
-              <a:solidFill>
-                <a:schemeClr val="bg1"/>
-              </a:solidFill>
               <a:effectLst/>
               <a:latin typeface="Calibri" panose="020F0502020204030204" pitchFamily="34" charset="0"/>
               <a:cs typeface="Times New Roman" panose="02020603050405020304" pitchFamily="18" charset="0"/>
@@ -13385,6 +15848,16 @@
             <a:off x="1141413" y="0"/>
             <a:ext cx="9906000" cy="755968"/>
           </a:xfrm>
+          <a:solidFill>
+            <a:schemeClr val="bg1"/>
+          </a:solidFill>
+          <a:ln>
+            <a:solidFill>
+              <a:schemeClr val="tx2">
+                <a:lumMod val="75000"/>
+              </a:schemeClr>
+            </a:solidFill>
+          </a:ln>
         </p:spPr>
         <p:txBody>
           <a:bodyPr>
@@ -13402,9 +15875,6 @@
             </a:pPr>
             <a:r>
               <a:rPr lang="en-US" sz="3200" b="1" kern="100" dirty="0">
-                <a:solidFill>
-                  <a:schemeClr val="bg1"/>
-                </a:solidFill>
                 <a:effectLst/>
                 <a:latin typeface="Calibri" panose="020F0502020204030204" pitchFamily="34" charset="0"/>
                 <a:cs typeface="Times New Roman" panose="02020603050405020304" pitchFamily="18" charset="0"/>
@@ -13412,9 +15882,6 @@
               <a:t>K. Top 5 Pizzas by Total Orders</a:t>
             </a:r>
             <a:endParaRPr lang="en-US" sz="3200" kern="100" dirty="0">
-              <a:solidFill>
-                <a:schemeClr val="bg1"/>
-              </a:solidFill>
               <a:effectLst/>
               <a:latin typeface="Calibri" panose="020F0502020204030204" pitchFamily="34" charset="0"/>
               <a:cs typeface="Times New Roman" panose="02020603050405020304" pitchFamily="18" charset="0"/>
@@ -13508,6 +15975,16 @@
             <a:off x="1141413" y="0"/>
             <a:ext cx="9906000" cy="755968"/>
           </a:xfrm>
+          <a:solidFill>
+            <a:schemeClr val="bg1"/>
+          </a:solidFill>
+          <a:ln>
+            <a:solidFill>
+              <a:schemeClr val="tx2">
+                <a:lumMod val="75000"/>
+              </a:schemeClr>
+            </a:solidFill>
+          </a:ln>
         </p:spPr>
         <p:txBody>
           <a:bodyPr>
@@ -13525,9 +16002,6 @@
             </a:pPr>
             <a:r>
               <a:rPr lang="en-US" sz="3200" b="1" kern="100" dirty="0">
-                <a:solidFill>
-                  <a:schemeClr val="bg1"/>
-                </a:solidFill>
                 <a:effectLst/>
                 <a:latin typeface="Calibri" panose="020F0502020204030204" pitchFamily="34" charset="0"/>
                 <a:cs typeface="Times New Roman" panose="02020603050405020304" pitchFamily="18" charset="0"/>
@@ -13535,10 +16009,7 @@
               <a:t>L. </a:t>
             </a:r>
             <a:r>
-              <a:rPr lang="en-US" sz="3200" b="1" kern="100">
-                <a:solidFill>
-                  <a:schemeClr val="bg1"/>
-                </a:solidFill>
+              <a:rPr lang="en-US" sz="3200" b="1" kern="100" dirty="0" err="1">
                 <a:effectLst/>
                 <a:latin typeface="Calibri" panose="020F0502020204030204" pitchFamily="34" charset="0"/>
                 <a:cs typeface="Times New Roman" panose="02020603050405020304" pitchFamily="18" charset="0"/>
@@ -13547,9 +16018,6 @@
             </a:r>
             <a:r>
               <a:rPr lang="en-US" sz="3200" b="1" kern="100" dirty="0">
-                <a:solidFill>
-                  <a:schemeClr val="bg1"/>
-                </a:solidFill>
                 <a:effectLst/>
                 <a:latin typeface="Calibri" panose="020F0502020204030204" pitchFamily="34" charset="0"/>
                 <a:cs typeface="Times New Roman" panose="02020603050405020304" pitchFamily="18" charset="0"/>
@@ -13557,9 +16025,6 @@
               <a:t> 5 Pizzas by Total Orders</a:t>
             </a:r>
             <a:endParaRPr lang="en-US" sz="3200" kern="100" dirty="0">
-              <a:solidFill>
-                <a:schemeClr val="bg1"/>
-              </a:solidFill>
               <a:effectLst/>
               <a:latin typeface="Calibri" panose="020F0502020204030204" pitchFamily="34" charset="0"/>
               <a:cs typeface="Times New Roman" panose="02020603050405020304" pitchFamily="18" charset="0"/>
@@ -13571,6 +16036,81 @@
     <p:extLst>
       <p:ext uri="{BB962C8B-B14F-4D97-AF65-F5344CB8AC3E}">
         <p14:creationId xmlns:p14="http://schemas.microsoft.com/office/powerpoint/2010/main" val="2809477666"/>
+      </p:ext>
+    </p:extLst>
+  </p:cSld>
+  <p:clrMapOvr>
+    <a:masterClrMapping/>
+  </p:clrMapOvr>
+</p:sld>
+</file>
+
+<file path=ppt/slides/slide18.xml><?xml version="1.0" encoding="utf-8"?>
+<p:sld xmlns:a="http://schemas.openxmlformats.org/drawingml/2006/main" xmlns:r="http://schemas.openxmlformats.org/officeDocument/2006/relationships" xmlns:p="http://schemas.openxmlformats.org/presentationml/2006/main">
+  <p:cSld>
+    <p:spTree>
+      <p:nvGrpSpPr>
+        <p:cNvPr id="1" name=""/>
+        <p:cNvGrpSpPr/>
+        <p:nvPr/>
+      </p:nvGrpSpPr>
+      <p:grpSpPr>
+        <a:xfrm>
+          <a:off x="0" y="0"/>
+          <a:ext cx="0" cy="0"/>
+          <a:chOff x="0" y="0"/>
+          <a:chExt cx="0" cy="0"/>
+        </a:xfrm>
+      </p:grpSpPr>
+      <p:sp>
+        <p:nvSpPr>
+          <p:cNvPr id="2" name="Title 1">
+            <a:extLst>
+              <a:ext uri="{FF2B5EF4-FFF2-40B4-BE49-F238E27FC236}">
+                <a16:creationId xmlns:a16="http://schemas.microsoft.com/office/drawing/2014/main" id="{E3AEF920-B061-1249-DA7F-CBB0964F1914}"/>
+              </a:ext>
+            </a:extLst>
+          </p:cNvPr>
+          <p:cNvSpPr>
+            <a:spLocks noGrp="1"/>
+          </p:cNvSpPr>
+          <p:nvPr>
+            <p:ph type="title"/>
+          </p:nvPr>
+        </p:nvSpPr>
+        <p:spPr>
+          <a:xfrm>
+            <a:off x="6858001" y="1483567"/>
+            <a:ext cx="3480317" cy="2415859"/>
+          </a:xfrm>
+          <a:solidFill>
+            <a:schemeClr val="bg1"/>
+          </a:solidFill>
+          <a:ln>
+            <a:solidFill>
+              <a:schemeClr val="tx2">
+                <a:lumMod val="75000"/>
+              </a:schemeClr>
+            </a:solidFill>
+          </a:ln>
+        </p:spPr>
+        <p:txBody>
+          <a:bodyPr>
+            <a:normAutofit fontScale="90000"/>
+          </a:bodyPr>
+          <a:lstStyle/>
+          <a:p>
+            <a:r>
+              <a:rPr lang="en-US" sz="8800" b="1" dirty="0"/>
+              <a:t>THANK YOU</a:t>
+            </a:r>
+          </a:p>
+        </p:txBody>
+      </p:sp>
+    </p:spTree>
+    <p:extLst>
+      <p:ext uri="{BB962C8B-B14F-4D97-AF65-F5344CB8AC3E}">
+        <p14:creationId xmlns:p14="http://schemas.microsoft.com/office/powerpoint/2010/main" val="954109062"/>
       </p:ext>
     </p:extLst>
   </p:cSld>
@@ -13615,9 +16155,19 @@
         </p:nvSpPr>
         <p:spPr>
           <a:xfrm>
-            <a:off x="1121093" y="0"/>
-            <a:ext cx="9905998" cy="814042"/>
+            <a:off x="4163271" y="80829"/>
+            <a:ext cx="3105401" cy="814042"/>
           </a:xfrm>
+          <a:solidFill>
+            <a:schemeClr val="bg1"/>
+          </a:solidFill>
+          <a:ln>
+            <a:solidFill>
+              <a:schemeClr val="tx2">
+                <a:lumMod val="75000"/>
+              </a:schemeClr>
+            </a:solidFill>
+          </a:ln>
         </p:spPr>
         <p:txBody>
           <a:bodyPr>
@@ -13628,20 +16178,13 @@
             <a:pPr algn="ctr"/>
             <a:r>
               <a:rPr lang="en-IN" b="1" kern="100" dirty="0">
-                <a:solidFill>
-                  <a:schemeClr val="bg1"/>
-                </a:solidFill>
                 <a:effectLst/>
                 <a:latin typeface="Calibri" panose="020F0502020204030204" pitchFamily="34" charset="0"/>
                 <a:cs typeface="Times New Roman" panose="02020603050405020304" pitchFamily="18" charset="0"/>
               </a:rPr>
-              <a:t>A. KPI’s</a:t>
+              <a:t>KPI’s</a:t>
             </a:r>
-            <a:endParaRPr lang="en-IN" sz="6000" dirty="0">
-              <a:solidFill>
-                <a:schemeClr val="bg1"/>
-              </a:solidFill>
-            </a:endParaRPr>
+            <a:endParaRPr lang="en-IN" sz="6000" dirty="0"/>
           </a:p>
         </p:txBody>
       </p:sp>
@@ -13661,12 +16204,22 @@
         </p:nvSpPr>
         <p:spPr>
           <a:xfrm>
-            <a:off x="1121093" y="750598"/>
-            <a:ext cx="9905998" cy="814042"/>
+            <a:off x="6578082" y="894871"/>
+            <a:ext cx="3853542" cy="814042"/>
           </a:xfrm>
           <a:prstGeom prst="rect">
             <a:avLst/>
           </a:prstGeom>
+          <a:solidFill>
+            <a:schemeClr val="bg1"/>
+          </a:solidFill>
+          <a:ln>
+            <a:solidFill>
+              <a:schemeClr val="tx2">
+                <a:lumMod val="75000"/>
+              </a:schemeClr>
+            </a:solidFill>
+          </a:ln>
         </p:spPr>
         <p:txBody>
           <a:bodyPr vert="horz" lIns="91440" tIns="45720" rIns="91440" bIns="45720" rtlCol="0" anchor="ctr">
@@ -13702,9 +16255,6 @@
             </a:pPr>
             <a:r>
               <a:rPr lang="en-IN" sz="2800" b="1" kern="100" dirty="0">
-                <a:solidFill>
-                  <a:schemeClr val="bg1"/>
-                </a:solidFill>
                 <a:effectLst/>
                 <a:latin typeface="Calibri" panose="020F0502020204030204" pitchFamily="34" charset="0"/>
                 <a:ea typeface="Calibri" panose="020F0502020204030204" pitchFamily="34" charset="0"/>
@@ -13713,9 +16263,6 @@
               <a:t>1. Total Revenue:</a:t>
             </a:r>
             <a:endParaRPr lang="en-IN" sz="2800" kern="100" dirty="0">
-              <a:solidFill>
-                <a:schemeClr val="bg1"/>
-              </a:solidFill>
               <a:effectLst/>
               <a:latin typeface="Calibri" panose="020F0502020204030204" pitchFamily="34" charset="0"/>
               <a:ea typeface="Calibri" panose="020F0502020204030204" pitchFamily="34" charset="0"/>
@@ -13806,12 +16353,22 @@
         </p:nvSpPr>
         <p:spPr>
           <a:xfrm>
-            <a:off x="1100773" y="0"/>
-            <a:ext cx="9905998" cy="814042"/>
+            <a:off x="2184663" y="0"/>
+            <a:ext cx="4045076" cy="814042"/>
           </a:xfrm>
           <a:prstGeom prst="rect">
             <a:avLst/>
           </a:prstGeom>
+          <a:solidFill>
+            <a:schemeClr val="bg1"/>
+          </a:solidFill>
+          <a:ln>
+            <a:solidFill>
+              <a:schemeClr val="tx2">
+                <a:lumMod val="75000"/>
+              </a:schemeClr>
+            </a:solidFill>
+          </a:ln>
         </p:spPr>
         <p:txBody>
           <a:bodyPr vert="horz" lIns="91440" tIns="45720" rIns="91440" bIns="45720" rtlCol="0" anchor="ctr">
@@ -13866,7 +16423,28 @@
                 <a:ea typeface="Calibri" panose="020F0502020204030204" pitchFamily="34" charset="0"/>
                 <a:cs typeface="Calibri" panose="020F0502020204030204" pitchFamily="34" charset="0"/>
               </a:rPr>
-              <a:t>. AVG ORDER VALUE:</a:t>
+              <a:t>. </a:t>
+            </a:r>
+            <a:r>
+              <a:rPr lang="en-IN" sz="2800" b="1" kern="100" dirty="0">
+                <a:effectLst/>
+                <a:latin typeface="Calibri" panose="020F0502020204030204" pitchFamily="34" charset="0"/>
+                <a:ea typeface="Calibri" panose="020F0502020204030204" pitchFamily="34" charset="0"/>
+                <a:cs typeface="Calibri" panose="020F0502020204030204" pitchFamily="34" charset="0"/>
+              </a:rPr>
+              <a:t>AVG ORDER VALUE</a:t>
+            </a:r>
+            <a:r>
+              <a:rPr lang="en-IN" sz="2800" b="1" kern="100" dirty="0">
+                <a:solidFill>
+                  <a:schemeClr val="bg1"/>
+                </a:solidFill>
+                <a:effectLst/>
+                <a:latin typeface="Calibri" panose="020F0502020204030204" pitchFamily="34" charset="0"/>
+                <a:ea typeface="Calibri" panose="020F0502020204030204" pitchFamily="34" charset="0"/>
+                <a:cs typeface="Calibri" panose="020F0502020204030204" pitchFamily="34" charset="0"/>
+              </a:rPr>
+              <a:t>:</a:t>
             </a:r>
             <a:endParaRPr lang="en-IN" sz="2800" kern="100" dirty="0">
               <a:solidFill>
@@ -13999,12 +16577,22 @@
         </p:nvSpPr>
         <p:spPr>
           <a:xfrm>
-            <a:off x="1141413" y="0"/>
-            <a:ext cx="9906000" cy="755968"/>
+            <a:off x="2177175" y="0"/>
+            <a:ext cx="3918825" cy="755968"/>
           </a:xfrm>
           <a:prstGeom prst="rect">
             <a:avLst/>
           </a:prstGeom>
+          <a:solidFill>
+            <a:schemeClr val="bg1"/>
+          </a:solidFill>
+          <a:ln>
+            <a:solidFill>
+              <a:schemeClr val="tx2">
+                <a:lumMod val="75000"/>
+              </a:schemeClr>
+            </a:solidFill>
+          </a:ln>
         </p:spPr>
         <p:txBody>
           <a:bodyPr vert="horz" lIns="91440" tIns="45720" rIns="91440" bIns="45720" rtlCol="0" anchor="ctr">
@@ -14040,9 +16628,6 @@
             </a:pPr>
             <a:r>
               <a:rPr lang="en-IN" sz="2800" b="1" kern="100" dirty="0">
-                <a:solidFill>
-                  <a:schemeClr val="bg1"/>
-                </a:solidFill>
                 <a:effectLst/>
                 <a:latin typeface="Calibri" panose="020F0502020204030204" pitchFamily="34" charset="0"/>
                 <a:ea typeface="Calibri" panose="020F0502020204030204" pitchFamily="34" charset="0"/>
@@ -14052,9 +16637,6 @@
             </a:r>
             <a:r>
               <a:rPr lang="en-IN" sz="2800" b="1" kern="100" dirty="0">
-                <a:solidFill>
-                  <a:schemeClr val="bg1"/>
-                </a:solidFill>
                 <a:latin typeface="Calibri" panose="020F0502020204030204" pitchFamily="34" charset="0"/>
                 <a:ea typeface="Calibri" panose="020F0502020204030204" pitchFamily="34" charset="0"/>
                 <a:cs typeface="Calibri" panose="020F0502020204030204" pitchFamily="34" charset="0"/>
@@ -14063,9 +16645,6 @@
             </a:r>
             <a:r>
               <a:rPr lang="en-IN" sz="2800" b="1" kern="100" dirty="0">
-                <a:solidFill>
-                  <a:schemeClr val="bg1"/>
-                </a:solidFill>
                 <a:effectLst/>
                 <a:latin typeface="Calibri" panose="020F0502020204030204" pitchFamily="34" charset="0"/>
                 <a:ea typeface="Calibri" panose="020F0502020204030204" pitchFamily="34" charset="0"/>
@@ -14074,9 +16653,6 @@
               <a:t>:</a:t>
             </a:r>
             <a:endParaRPr lang="en-IN" sz="2800" kern="100" dirty="0">
-              <a:solidFill>
-                <a:schemeClr val="bg1"/>
-              </a:solidFill>
               <a:effectLst/>
               <a:latin typeface="Calibri" panose="020F0502020204030204" pitchFamily="34" charset="0"/>
               <a:ea typeface="Calibri" panose="020F0502020204030204" pitchFamily="34" charset="0"/>
@@ -14168,12 +16744,22 @@
         </p:nvSpPr>
         <p:spPr>
           <a:xfrm>
-            <a:off x="1141413" y="1"/>
-            <a:ext cx="9906000" cy="731520"/>
+            <a:off x="2106388" y="0"/>
+            <a:ext cx="3132007" cy="731520"/>
           </a:xfrm>
           <a:prstGeom prst="rect">
             <a:avLst/>
           </a:prstGeom>
+          <a:solidFill>
+            <a:schemeClr val="bg1"/>
+          </a:solidFill>
+          <a:ln>
+            <a:solidFill>
+              <a:schemeClr val="tx2">
+                <a:lumMod val="75000"/>
+              </a:schemeClr>
+            </a:solidFill>
+          </a:ln>
         </p:spPr>
         <p:txBody>
           <a:bodyPr vert="horz" lIns="91440" tIns="45720" rIns="91440" bIns="45720" rtlCol="0" anchor="ctr">
@@ -14209,9 +16795,6 @@
             </a:pPr>
             <a:r>
               <a:rPr lang="en-IN" sz="2800" b="1" kern="100" dirty="0">
-                <a:solidFill>
-                  <a:schemeClr val="bg1"/>
-                </a:solidFill>
                 <a:latin typeface="Calibri" panose="020F0502020204030204" pitchFamily="34" charset="0"/>
                 <a:ea typeface="Calibri" panose="020F0502020204030204" pitchFamily="34" charset="0"/>
                 <a:cs typeface="Calibri" panose="020F0502020204030204" pitchFamily="34" charset="0"/>
@@ -14220,9 +16803,6 @@
             </a:r>
             <a:r>
               <a:rPr lang="en-IN" sz="2800" b="1" kern="100" dirty="0">
-                <a:solidFill>
-                  <a:schemeClr val="bg1"/>
-                </a:solidFill>
                 <a:effectLst/>
                 <a:latin typeface="Calibri" panose="020F0502020204030204" pitchFamily="34" charset="0"/>
                 <a:ea typeface="Calibri" panose="020F0502020204030204" pitchFamily="34" charset="0"/>
@@ -14232,9 +16812,6 @@
             </a:r>
             <a:r>
               <a:rPr lang="en-IN" sz="2800" b="1" kern="100" dirty="0">
-                <a:solidFill>
-                  <a:schemeClr val="bg1"/>
-                </a:solidFill>
                 <a:latin typeface="Calibri" panose="020F0502020204030204" pitchFamily="34" charset="0"/>
                 <a:ea typeface="Calibri" panose="020F0502020204030204" pitchFamily="34" charset="0"/>
                 <a:cs typeface="Calibri" panose="020F0502020204030204" pitchFamily="34" charset="0"/>
@@ -14243,9 +16820,6 @@
             </a:r>
             <a:r>
               <a:rPr lang="en-IN" sz="2800" b="1" kern="100" dirty="0">
-                <a:solidFill>
-                  <a:schemeClr val="bg1"/>
-                </a:solidFill>
                 <a:effectLst/>
                 <a:latin typeface="Calibri" panose="020F0502020204030204" pitchFamily="34" charset="0"/>
                 <a:ea typeface="Calibri" panose="020F0502020204030204" pitchFamily="34" charset="0"/>
@@ -14254,9 +16828,6 @@
               <a:t>:</a:t>
             </a:r>
             <a:endParaRPr lang="en-IN" sz="2800" kern="100" dirty="0">
-              <a:solidFill>
-                <a:schemeClr val="bg1"/>
-              </a:solidFill>
               <a:effectLst/>
               <a:latin typeface="Calibri" panose="020F0502020204030204" pitchFamily="34" charset="0"/>
               <a:ea typeface="Calibri" panose="020F0502020204030204" pitchFamily="34" charset="0"/>
@@ -14348,12 +16919,22 @@
         </p:nvSpPr>
         <p:spPr>
           <a:xfrm>
-            <a:off x="1141413" y="0"/>
-            <a:ext cx="9906000" cy="755968"/>
+            <a:off x="2816267" y="0"/>
+            <a:ext cx="3547211" cy="755968"/>
           </a:xfrm>
           <a:prstGeom prst="rect">
             <a:avLst/>
           </a:prstGeom>
+          <a:solidFill>
+            <a:schemeClr val="bg1"/>
+          </a:solidFill>
+          <a:ln>
+            <a:solidFill>
+              <a:schemeClr val="tx2">
+                <a:lumMod val="75000"/>
+              </a:schemeClr>
+            </a:solidFill>
+          </a:ln>
         </p:spPr>
         <p:txBody>
           <a:bodyPr vert="horz" lIns="91440" tIns="45720" rIns="91440" bIns="45720" rtlCol="0" anchor="ctr">
@@ -14389,9 +16970,6 @@
             </a:pPr>
             <a:r>
               <a:rPr lang="en-IN" sz="2800" b="1" kern="100" dirty="0">
-                <a:solidFill>
-                  <a:schemeClr val="bg1"/>
-                </a:solidFill>
                 <a:effectLst/>
                 <a:latin typeface="Calibri" panose="020F0502020204030204" pitchFamily="34" charset="0"/>
                 <a:ea typeface="Calibri" panose="020F0502020204030204" pitchFamily="34" charset="0"/>
@@ -14401,9 +16979,6 @@
             </a:r>
             <a:r>
               <a:rPr lang="en-IN" sz="2800" b="1" kern="100" dirty="0">
-                <a:solidFill>
-                  <a:schemeClr val="bg1"/>
-                </a:solidFill>
                 <a:latin typeface="Calibri" panose="020F0502020204030204" pitchFamily="34" charset="0"/>
                 <a:ea typeface="Calibri" panose="020F0502020204030204" pitchFamily="34" charset="0"/>
                 <a:cs typeface="Calibri" panose="020F0502020204030204" pitchFamily="34" charset="0"/>
@@ -14412,9 +16987,6 @@
             </a:r>
             <a:r>
               <a:rPr lang="en-IN" sz="2800" b="1" kern="100" dirty="0">
-                <a:solidFill>
-                  <a:schemeClr val="bg1"/>
-                </a:solidFill>
                 <a:effectLst/>
                 <a:latin typeface="Calibri" panose="020F0502020204030204" pitchFamily="34" charset="0"/>
                 <a:ea typeface="Calibri" panose="020F0502020204030204" pitchFamily="34" charset="0"/>
@@ -14423,9 +16995,6 @@
               <a:t>:</a:t>
             </a:r>
             <a:endParaRPr lang="en-IN" sz="2800" kern="100" dirty="0">
-              <a:solidFill>
-                <a:schemeClr val="bg1"/>
-              </a:solidFill>
               <a:effectLst/>
               <a:latin typeface="Calibri" panose="020F0502020204030204" pitchFamily="34" charset="0"/>
               <a:ea typeface="Calibri" panose="020F0502020204030204" pitchFamily="34" charset="0"/>
@@ -14482,9 +17051,19 @@
         </p:nvSpPr>
         <p:spPr>
           <a:xfrm>
-            <a:off x="1141413" y="0"/>
-            <a:ext cx="9905998" cy="908368"/>
+            <a:off x="2584634" y="0"/>
+            <a:ext cx="7022734" cy="908368"/>
           </a:xfrm>
+          <a:solidFill>
+            <a:schemeClr val="bg1"/>
+          </a:solidFill>
+          <a:ln>
+            <a:solidFill>
+              <a:schemeClr val="tx2">
+                <a:lumMod val="75000"/>
+              </a:schemeClr>
+            </a:solidFill>
+          </a:ln>
         </p:spPr>
         <p:txBody>
           <a:bodyPr>
@@ -14495,20 +17074,13 @@
             <a:pPr algn="ctr"/>
             <a:r>
               <a:rPr lang="en-US" sz="3200" b="1" kern="100" dirty="0">
-                <a:solidFill>
-                  <a:schemeClr val="bg1"/>
-                </a:solidFill>
                 <a:effectLst/>
                 <a:latin typeface="Calibri" panose="020F0502020204030204" pitchFamily="34" charset="0"/>
                 <a:cs typeface="Times New Roman" panose="02020603050405020304" pitchFamily="18" charset="0"/>
               </a:rPr>
               <a:t>B. Daily Trend for Total Orders</a:t>
             </a:r>
-            <a:endParaRPr lang="en-IN" sz="5400" dirty="0">
-              <a:solidFill>
-                <a:schemeClr val="bg1"/>
-              </a:solidFill>
-            </a:endParaRPr>
+            <a:endParaRPr lang="en-IN" sz="5400" dirty="0"/>
           </a:p>
         </p:txBody>
       </p:sp>
@@ -14630,9 +17202,19 @@
         </p:nvSpPr>
         <p:spPr>
           <a:xfrm>
-            <a:off x="1141413" y="0"/>
-            <a:ext cx="9906000" cy="755968"/>
+            <a:off x="1614197" y="0"/>
+            <a:ext cx="9302620" cy="755968"/>
           </a:xfrm>
+          <a:solidFill>
+            <a:schemeClr val="bg1"/>
+          </a:solidFill>
+          <a:ln>
+            <a:solidFill>
+              <a:schemeClr val="tx2">
+                <a:lumMod val="75000"/>
+              </a:schemeClr>
+            </a:solidFill>
+          </a:ln>
         </p:spPr>
         <p:txBody>
           <a:bodyPr>
@@ -14650,9 +17232,6 @@
             </a:pPr>
             <a:r>
               <a:rPr lang="en-US" sz="3200" b="1" kern="100" dirty="0">
-                <a:solidFill>
-                  <a:schemeClr val="bg1"/>
-                </a:solidFill>
                 <a:effectLst/>
                 <a:latin typeface="Calibri" panose="020F0502020204030204" pitchFamily="34" charset="0"/>
                 <a:cs typeface="Times New Roman" panose="02020603050405020304" pitchFamily="18" charset="0"/>
@@ -14660,9 +17239,6 @@
               <a:t>C. Monthly Trend for Orders</a:t>
             </a:r>
             <a:endParaRPr lang="en-US" sz="3200" kern="100" dirty="0">
-              <a:solidFill>
-                <a:schemeClr val="bg1"/>
-              </a:solidFill>
               <a:effectLst/>
               <a:latin typeface="Calibri" panose="020F0502020204030204" pitchFamily="34" charset="0"/>
               <a:cs typeface="Times New Roman" panose="02020603050405020304" pitchFamily="18" charset="0"/>
@@ -14756,6 +17332,16 @@
             <a:off x="1141413" y="0"/>
             <a:ext cx="9906000" cy="755968"/>
           </a:xfrm>
+          <a:solidFill>
+            <a:schemeClr val="bg1"/>
+          </a:solidFill>
+          <a:ln>
+            <a:solidFill>
+              <a:schemeClr val="tx2">
+                <a:lumMod val="75000"/>
+              </a:schemeClr>
+            </a:solidFill>
+          </a:ln>
         </p:spPr>
         <p:txBody>
           <a:bodyPr>
@@ -14773,9 +17359,6 @@
             </a:pPr>
             <a:r>
               <a:rPr lang="en-US" b="1" kern="100" dirty="0">
-                <a:solidFill>
-                  <a:schemeClr val="bg1"/>
-                </a:solidFill>
                 <a:effectLst/>
                 <a:latin typeface="Calibri" panose="020F0502020204030204" pitchFamily="34" charset="0"/>
                 <a:cs typeface="Times New Roman" panose="02020603050405020304" pitchFamily="18" charset="0"/>
@@ -14783,9 +17366,6 @@
               <a:t>D. % of Sales by Pizza Category</a:t>
             </a:r>
             <a:endParaRPr lang="en-US" kern="100" dirty="0">
-              <a:solidFill>
-                <a:schemeClr val="bg1"/>
-              </a:solidFill>
               <a:effectLst/>
               <a:latin typeface="Calibri" panose="020F0502020204030204" pitchFamily="34" charset="0"/>
               <a:cs typeface="Times New Roman" panose="02020603050405020304" pitchFamily="18" charset="0"/>
